--- a/instructors/12-Templates.pptx
+++ b/instructors/12-Templates.pptx
@@ -5,11 +5,17 @@
     <p:sldMasterId id="2147483648" r:id="rId1"/>
   </p:sldMasterIdLst>
   <p:notesMasterIdLst>
-    <p:notesMasterId r:id="rId4"/>
+    <p:notesMasterId r:id="rId10"/>
   </p:notesMasterIdLst>
   <p:sldIdLst>
     <p:sldId id="276" r:id="rId2"/>
     <p:sldId id="259" r:id="rId3"/>
+    <p:sldId id="277" r:id="rId4"/>
+    <p:sldId id="278" r:id="rId5"/>
+    <p:sldId id="279" r:id="rId6"/>
+    <p:sldId id="280" r:id="rId7"/>
+    <p:sldId id="282" r:id="rId8"/>
+    <p:sldId id="281" r:id="rId9"/>
   </p:sldIdLst>
   <p:sldSz cx="12192000" cy="6858000"/>
   <p:notesSz cx="6858000" cy="9144000"/>
@@ -198,7 +204,7 @@
           <a:p>
             <a:fld id="{585C48AE-4A1E-9A43-835F-510354165F99}" type="datetimeFigureOut">
               <a:rPr lang="en-GB" smtClean="0"/>
-              <a:t>19/10/2021</a:t>
+              <a:t>21/10/2021</a:t>
             </a:fld>
             <a:endParaRPr lang="en-GB"/>
           </a:p>
@@ -614,7 +620,7 @@
           <a:p>
             <a:fld id="{5913FB77-D8DB-4AB9-8EA5-EE8C3B57A5E1}" type="datetimeFigureOut">
               <a:rPr lang="en-GB" smtClean="0"/>
-              <a:t>19/10/2021</a:t>
+              <a:t>21/10/2021</a:t>
             </a:fld>
             <a:endParaRPr lang="en-GB"/>
           </a:p>
@@ -814,7 +820,7 @@
           <a:p>
             <a:fld id="{5913FB77-D8DB-4AB9-8EA5-EE8C3B57A5E1}" type="datetimeFigureOut">
               <a:rPr lang="en-GB" smtClean="0"/>
-              <a:t>19/10/2021</a:t>
+              <a:t>21/10/2021</a:t>
             </a:fld>
             <a:endParaRPr lang="en-GB"/>
           </a:p>
@@ -1024,7 +1030,7 @@
           <a:p>
             <a:fld id="{5913FB77-D8DB-4AB9-8EA5-EE8C3B57A5E1}" type="datetimeFigureOut">
               <a:rPr lang="en-GB" smtClean="0"/>
-              <a:t>19/10/2021</a:t>
+              <a:t>21/10/2021</a:t>
             </a:fld>
             <a:endParaRPr lang="en-GB"/>
           </a:p>
@@ -1224,7 +1230,7 @@
           <a:p>
             <a:fld id="{5913FB77-D8DB-4AB9-8EA5-EE8C3B57A5E1}" type="datetimeFigureOut">
               <a:rPr lang="en-GB" smtClean="0"/>
-              <a:t>19/10/2021</a:t>
+              <a:t>21/10/2021</a:t>
             </a:fld>
             <a:endParaRPr lang="en-GB"/>
           </a:p>
@@ -1500,7 +1506,7 @@
           <a:p>
             <a:fld id="{5913FB77-D8DB-4AB9-8EA5-EE8C3B57A5E1}" type="datetimeFigureOut">
               <a:rPr lang="en-GB" smtClean="0"/>
-              <a:t>19/10/2021</a:t>
+              <a:t>21/10/2021</a:t>
             </a:fld>
             <a:endParaRPr lang="en-GB"/>
           </a:p>
@@ -1768,7 +1774,7 @@
           <a:p>
             <a:fld id="{5913FB77-D8DB-4AB9-8EA5-EE8C3B57A5E1}" type="datetimeFigureOut">
               <a:rPr lang="en-GB" smtClean="0"/>
-              <a:t>19/10/2021</a:t>
+              <a:t>21/10/2021</a:t>
             </a:fld>
             <a:endParaRPr lang="en-GB"/>
           </a:p>
@@ -2183,7 +2189,7 @@
           <a:p>
             <a:fld id="{5913FB77-D8DB-4AB9-8EA5-EE8C3B57A5E1}" type="datetimeFigureOut">
               <a:rPr lang="en-GB" smtClean="0"/>
-              <a:t>19/10/2021</a:t>
+              <a:t>21/10/2021</a:t>
             </a:fld>
             <a:endParaRPr lang="en-GB"/>
           </a:p>
@@ -2325,7 +2331,7 @@
           <a:p>
             <a:fld id="{5913FB77-D8DB-4AB9-8EA5-EE8C3B57A5E1}" type="datetimeFigureOut">
               <a:rPr lang="en-GB" smtClean="0"/>
-              <a:t>19/10/2021</a:t>
+              <a:t>21/10/2021</a:t>
             </a:fld>
             <a:endParaRPr lang="en-GB"/>
           </a:p>
@@ -2438,7 +2444,7 @@
           <a:p>
             <a:fld id="{5913FB77-D8DB-4AB9-8EA5-EE8C3B57A5E1}" type="datetimeFigureOut">
               <a:rPr lang="en-GB" smtClean="0"/>
-              <a:t>19/10/2021</a:t>
+              <a:t>21/10/2021</a:t>
             </a:fld>
             <a:endParaRPr lang="en-GB"/>
           </a:p>
@@ -2751,7 +2757,7 @@
           <a:p>
             <a:fld id="{5913FB77-D8DB-4AB9-8EA5-EE8C3B57A5E1}" type="datetimeFigureOut">
               <a:rPr lang="en-GB" smtClean="0"/>
-              <a:t>19/10/2021</a:t>
+              <a:t>21/10/2021</a:t>
             </a:fld>
             <a:endParaRPr lang="en-GB"/>
           </a:p>
@@ -3040,7 +3046,7 @@
           <a:p>
             <a:fld id="{5913FB77-D8DB-4AB9-8EA5-EE8C3B57A5E1}" type="datetimeFigureOut">
               <a:rPr lang="en-GB" smtClean="0"/>
-              <a:t>19/10/2021</a:t>
+              <a:t>21/10/2021</a:t>
             </a:fld>
             <a:endParaRPr lang="en-GB"/>
           </a:p>
@@ -3283,7 +3289,7 @@
           <a:p>
             <a:fld id="{5913FB77-D8DB-4AB9-8EA5-EE8C3B57A5E1}" type="datetimeFigureOut">
               <a:rPr lang="en-GB" smtClean="0"/>
-              <a:t>19/10/2021</a:t>
+              <a:t>21/10/2021</a:t>
             </a:fld>
             <a:endParaRPr lang="en-GB"/>
           </a:p>
@@ -3943,7 +3949,7 @@
         <p:spPr>
           <a:xfrm>
             <a:off x="1138104" y="1569406"/>
-            <a:ext cx="9464530" cy="3970318"/>
+            <a:ext cx="9464530" cy="3539430"/>
           </a:xfrm>
           <a:prstGeom prst="rect">
             <a:avLst/>
@@ -3957,15 +3963,53 @@
           <a:lstStyle/>
           <a:p>
             <a:r>
-              <a:rPr lang="en-GB" sz="2800" dirty="0">
-                <a:solidFill>
-                  <a:srgbClr val="0070C0"/>
-                </a:solidFill>
-              </a:rPr>
-              <a:t>Projects are not static, and actions introduce changes.</a:t>
-            </a:r>
-          </a:p>
-          <a:p>
+              <a:rPr lang="pl-PL" sz="2800" dirty="0" err="1">
+                <a:solidFill>
+                  <a:srgbClr val="0070C0"/>
+                </a:solidFill>
+              </a:rPr>
+              <a:t>Benefits</a:t>
+            </a:r>
+            <a:r>
+              <a:rPr lang="pl-PL" sz="2800" dirty="0">
+                <a:solidFill>
+                  <a:srgbClr val="0070C0"/>
+                </a:solidFill>
+              </a:rPr>
+              <a:t> of </a:t>
+            </a:r>
+            <a:r>
+              <a:rPr lang="pl-PL" sz="2800" dirty="0" err="1">
+                <a:solidFill>
+                  <a:srgbClr val="0070C0"/>
+                </a:solidFill>
+              </a:rPr>
+              <a:t>having</a:t>
+            </a:r>
+            <a:r>
+              <a:rPr lang="pl-PL" sz="2800" dirty="0">
+                <a:solidFill>
+                  <a:srgbClr val="0070C0"/>
+                </a:solidFill>
+              </a:rPr>
+              <a:t> </a:t>
+            </a:r>
+            <a:r>
+              <a:rPr lang="pl-PL" sz="2800" dirty="0" err="1">
+                <a:solidFill>
+                  <a:srgbClr val="0070C0"/>
+                </a:solidFill>
+              </a:rPr>
+              <a:t>templates</a:t>
+            </a:r>
+            <a:r>
+              <a:rPr lang="pl-PL" sz="2800" dirty="0">
+                <a:solidFill>
+                  <a:srgbClr val="0070C0"/>
+                </a:solidFill>
+              </a:rPr>
+              <a:t>:</a:t>
+            </a:r>
             <a:endParaRPr lang="en-GB" sz="2800" dirty="0">
               <a:solidFill>
                 <a:srgbClr val="0070C0"/>
@@ -3973,18 +4017,46 @@
             </a:endParaRPr>
           </a:p>
           <a:p>
+            <a:endParaRPr lang="en-GB" sz="2800" dirty="0">
+              <a:solidFill>
+                <a:srgbClr val="0070C0"/>
+              </a:solidFill>
+            </a:endParaRPr>
+          </a:p>
+          <a:p>
             <a:pPr marL="457200" indent="-457200">
               <a:buFont typeface="Arial" panose="020B0604020202020204" pitchFamily="34" charset="0"/>
               <a:buChar char="•"/>
             </a:pPr>
             <a:r>
-              <a:rPr lang="en-GB" sz="2800" dirty="0">
-                <a:solidFill>
-                  <a:srgbClr val="0070C0"/>
-                </a:solidFill>
-              </a:rPr>
-              <a:t>add new files</a:t>
-            </a:r>
+              <a:rPr lang="pl-PL" sz="2800" dirty="0" err="1">
+                <a:solidFill>
+                  <a:srgbClr val="0070C0"/>
+                </a:solidFill>
+              </a:rPr>
+              <a:t>saves</a:t>
+            </a:r>
+            <a:r>
+              <a:rPr lang="pl-PL" sz="2800" dirty="0">
+                <a:solidFill>
+                  <a:srgbClr val="0070C0"/>
+                </a:solidFill>
+              </a:rPr>
+              <a:t> </a:t>
+            </a:r>
+            <a:r>
+              <a:rPr lang="pl-PL" sz="2800" dirty="0" err="1">
+                <a:solidFill>
+                  <a:srgbClr val="0070C0"/>
+                </a:solidFill>
+              </a:rPr>
+              <a:t>times</a:t>
+            </a:r>
+            <a:endParaRPr lang="en-GB" sz="2800" dirty="0">
+              <a:solidFill>
+                <a:srgbClr val="0070C0"/>
+              </a:solidFill>
+            </a:endParaRPr>
           </a:p>
           <a:p>
             <a:pPr marL="457200" indent="-457200">
@@ -3992,13 +4064,50 @@
               <a:buChar char="•"/>
             </a:pPr>
             <a:r>
-              <a:rPr lang="en-GB" sz="2800" dirty="0">
-                <a:solidFill>
-                  <a:srgbClr val="0070C0"/>
-                </a:solidFill>
-              </a:rPr>
-              <a:t>add data entries to files</a:t>
-            </a:r>
+              <a:rPr lang="pl-PL" sz="2800" dirty="0" err="1">
+                <a:solidFill>
+                  <a:srgbClr val="0070C0"/>
+                </a:solidFill>
+              </a:rPr>
+              <a:t>enforces</a:t>
+            </a:r>
+            <a:r>
+              <a:rPr lang="pl-PL" sz="2800" dirty="0">
+                <a:solidFill>
+                  <a:srgbClr val="0070C0"/>
+                </a:solidFill>
+              </a:rPr>
+              <a:t> </a:t>
+            </a:r>
+            <a:r>
+              <a:rPr lang="pl-PL" sz="2800" dirty="0" err="1">
+                <a:solidFill>
+                  <a:srgbClr val="0070C0"/>
+                </a:solidFill>
+              </a:rPr>
+              <a:t>best</a:t>
+            </a:r>
+            <a:r>
+              <a:rPr lang="pl-PL" sz="2800" dirty="0">
+                <a:solidFill>
+                  <a:srgbClr val="0070C0"/>
+                </a:solidFill>
+              </a:rPr>
+              <a:t> </a:t>
+            </a:r>
+            <a:r>
+              <a:rPr lang="pl-PL" sz="2800" dirty="0" err="1">
+                <a:solidFill>
+                  <a:srgbClr val="0070C0"/>
+                </a:solidFill>
+              </a:rPr>
+              <a:t>practices</a:t>
+            </a:r>
+            <a:endParaRPr lang="en-GB" sz="2800" dirty="0">
+              <a:solidFill>
+                <a:srgbClr val="0070C0"/>
+              </a:solidFill>
+            </a:endParaRPr>
           </a:p>
           <a:p>
             <a:pPr marL="457200" indent="-457200">
@@ -4006,13 +4115,34 @@
               <a:buChar char="•"/>
             </a:pPr>
             <a:r>
-              <a:rPr lang="en-GB" sz="2800" dirty="0">
-                <a:solidFill>
-                  <a:srgbClr val="0070C0"/>
-                </a:solidFill>
-              </a:rPr>
-              <a:t>modify manuscripts / methods</a:t>
-            </a:r>
+              <a:rPr lang="pl-PL" sz="2800" dirty="0" err="1">
+                <a:solidFill>
+                  <a:srgbClr val="0070C0"/>
+                </a:solidFill>
+              </a:rPr>
+              <a:t>provides</a:t>
+            </a:r>
+            <a:r>
+              <a:rPr lang="pl-PL" sz="2800" dirty="0">
+                <a:solidFill>
+                  <a:srgbClr val="0070C0"/>
+                </a:solidFill>
+              </a:rPr>
+              <a:t> </a:t>
+            </a:r>
+            <a:r>
+              <a:rPr lang="pl-PL" sz="2800" dirty="0" err="1">
+                <a:solidFill>
+                  <a:srgbClr val="0070C0"/>
+                </a:solidFill>
+              </a:rPr>
+              <a:t>guideline</a:t>
+            </a:r>
+            <a:endParaRPr lang="en-GB" sz="2800" dirty="0">
+              <a:solidFill>
+                <a:srgbClr val="0070C0"/>
+              </a:solidFill>
+            </a:endParaRPr>
           </a:p>
           <a:p>
             <a:pPr marL="457200" indent="-457200">
@@ -4020,13 +4150,34 @@
               <a:buChar char="•"/>
             </a:pPr>
             <a:r>
-              <a:rPr lang="en-GB" sz="2800" dirty="0">
-                <a:solidFill>
-                  <a:srgbClr val="0070C0"/>
-                </a:solidFill>
-              </a:rPr>
-              <a:t>reformat / reorganize data tables</a:t>
-            </a:r>
+              <a:rPr lang="pl-PL" sz="2800" dirty="0" err="1">
+                <a:solidFill>
+                  <a:srgbClr val="0070C0"/>
+                </a:solidFill>
+              </a:rPr>
+              <a:t>gives</a:t>
+            </a:r>
+            <a:r>
+              <a:rPr lang="pl-PL" sz="2800" dirty="0">
+                <a:solidFill>
+                  <a:srgbClr val="0070C0"/>
+                </a:solidFill>
+              </a:rPr>
+              <a:t> </a:t>
+            </a:r>
+            <a:r>
+              <a:rPr lang="pl-PL" sz="2800" dirty="0" err="1">
+                <a:solidFill>
+                  <a:srgbClr val="0070C0"/>
+                </a:solidFill>
+              </a:rPr>
+              <a:t>confidence</a:t>
+            </a:r>
+            <a:endParaRPr lang="en-GB" sz="2800" dirty="0">
+              <a:solidFill>
+                <a:srgbClr val="0070C0"/>
+              </a:solidFill>
+            </a:endParaRPr>
           </a:p>
           <a:p>
             <a:pPr marL="457200" indent="-457200">
@@ -4034,13 +4185,34 @@
               <a:buChar char="•"/>
             </a:pPr>
             <a:r>
-              <a:rPr lang="en-GB" sz="2800" dirty="0">
-                <a:solidFill>
-                  <a:srgbClr val="0070C0"/>
-                </a:solidFill>
-              </a:rPr>
-              <a:t>reanalyse data / update figures</a:t>
-            </a:r>
+              <a:rPr lang="pl-PL" sz="2800" dirty="0" err="1">
+                <a:solidFill>
+                  <a:srgbClr val="0070C0"/>
+                </a:solidFill>
+              </a:rPr>
+              <a:t>assures</a:t>
+            </a:r>
+            <a:r>
+              <a:rPr lang="pl-PL" sz="2800" dirty="0">
+                <a:solidFill>
+                  <a:srgbClr val="0070C0"/>
+                </a:solidFill>
+              </a:rPr>
+              <a:t> </a:t>
+            </a:r>
+            <a:r>
+              <a:rPr lang="pl-PL" sz="2800" dirty="0" err="1">
+                <a:solidFill>
+                  <a:srgbClr val="0070C0"/>
+                </a:solidFill>
+              </a:rPr>
+              <a:t>consistency</a:t>
+            </a:r>
+            <a:endParaRPr lang="pl-PL" sz="2800" dirty="0">
+              <a:solidFill>
+                <a:srgbClr val="0070C0"/>
+              </a:solidFill>
+            </a:endParaRPr>
           </a:p>
           <a:p>
             <a:pPr marL="457200" indent="-457200">
@@ -4048,27 +4220,82 @@
               <a:buChar char="•"/>
             </a:pPr>
             <a:r>
-              <a:rPr lang="en-GB" sz="2800" dirty="0">
-                <a:solidFill>
-                  <a:srgbClr val="0070C0"/>
-                </a:solidFill>
-              </a:rPr>
-              <a:t>experiment with data cleaning / processing / visualization</a:t>
-            </a:r>
-          </a:p>
-          <a:p>
-            <a:pPr marL="457200" indent="-457200">
-              <a:buFont typeface="Arial" panose="020B0604020202020204" pitchFamily="34" charset="0"/>
-              <a:buChar char="•"/>
-            </a:pPr>
-            <a:r>
-              <a:rPr lang="en-GB" sz="2800" dirty="0">
-                <a:solidFill>
-                  <a:srgbClr val="0070C0"/>
-                </a:solidFill>
-              </a:rPr>
-              <a:t>share and co-edit data or text file</a:t>
-            </a:r>
+              <a:rPr lang="pl-PL" sz="2800" dirty="0" err="1">
+                <a:solidFill>
+                  <a:srgbClr val="0070C0"/>
+                </a:solidFill>
+              </a:rPr>
+              <a:t>allows</a:t>
+            </a:r>
+            <a:r>
+              <a:rPr lang="pl-PL" sz="2800" dirty="0">
+                <a:solidFill>
+                  <a:srgbClr val="0070C0"/>
+                </a:solidFill>
+              </a:rPr>
+              <a:t> </a:t>
+            </a:r>
+            <a:r>
+              <a:rPr lang="pl-PL" sz="2800" dirty="0" err="1">
+                <a:solidFill>
+                  <a:srgbClr val="0070C0"/>
+                </a:solidFill>
+              </a:rPr>
+              <a:t>automatization</a:t>
+            </a:r>
+            <a:r>
+              <a:rPr lang="pl-PL" sz="2800" dirty="0">
+                <a:solidFill>
+                  <a:srgbClr val="0070C0"/>
+                </a:solidFill>
+              </a:rPr>
+              <a:t> of </a:t>
+            </a:r>
+            <a:r>
+              <a:rPr lang="pl-PL" sz="2800" dirty="0" err="1">
+                <a:solidFill>
+                  <a:srgbClr val="0070C0"/>
+                </a:solidFill>
+              </a:rPr>
+              <a:t>searching</a:t>
+            </a:r>
+            <a:r>
+              <a:rPr lang="pl-PL" sz="2800" dirty="0">
+                <a:solidFill>
+                  <a:srgbClr val="0070C0"/>
+                </a:solidFill>
+              </a:rPr>
+              <a:t> / </a:t>
+            </a:r>
+            <a:r>
+              <a:rPr lang="pl-PL" sz="2800" dirty="0" err="1">
+                <a:solidFill>
+                  <a:srgbClr val="0070C0"/>
+                </a:solidFill>
+              </a:rPr>
+              <a:t>processing</a:t>
+            </a:r>
+            <a:r>
+              <a:rPr lang="pl-PL" sz="2800" dirty="0">
+                <a:solidFill>
+                  <a:srgbClr val="0070C0"/>
+                </a:solidFill>
+              </a:rPr>
+              <a:t> /</a:t>
+            </a:r>
+            <a:r>
+              <a:rPr lang="pl-PL" sz="2800" dirty="0" err="1">
+                <a:solidFill>
+                  <a:srgbClr val="0070C0"/>
+                </a:solidFill>
+              </a:rPr>
+              <a:t>analysis</a:t>
+            </a:r>
+            <a:endParaRPr lang="en-GB" sz="2800" dirty="0">
+              <a:solidFill>
+                <a:srgbClr val="0070C0"/>
+              </a:solidFill>
+            </a:endParaRPr>
           </a:p>
         </p:txBody>
       </p:sp>
@@ -4119,10 +4346,2194 @@
           </a:extLst>
         </p:spPr>
       </p:pic>
+      <p:sp>
+        <p:nvSpPr>
+          <p:cNvPr id="4" name="Title 1">
+            <a:extLst>
+              <a:ext uri="{FF2B5EF4-FFF2-40B4-BE49-F238E27FC236}">
+                <a16:creationId xmlns:a16="http://schemas.microsoft.com/office/drawing/2014/main" id="{589BCA0C-EF4D-4E7B-BF8A-C2C50DDE5AB4}"/>
+              </a:ext>
+            </a:extLst>
+          </p:cNvPr>
+          <p:cNvSpPr>
+            <a:spLocks noGrp="1"/>
+          </p:cNvSpPr>
+          <p:nvPr>
+            <p:ph type="title"/>
+          </p:nvPr>
+        </p:nvSpPr>
+        <p:spPr>
+          <a:xfrm>
+            <a:off x="838200" y="365125"/>
+            <a:ext cx="10515600" cy="587375"/>
+          </a:xfrm>
+        </p:spPr>
+        <p:txBody>
+          <a:bodyPr>
+            <a:normAutofit fontScale="90000"/>
+          </a:bodyPr>
+          <a:lstStyle/>
+          <a:p>
+            <a:r>
+              <a:rPr lang="pl-PL" dirty="0">
+                <a:solidFill>
+                  <a:srgbClr val="0070C0"/>
+                </a:solidFill>
+              </a:rPr>
+              <a:t>Templates</a:t>
+            </a:r>
+            <a:endParaRPr lang="en-GB" dirty="0">
+              <a:solidFill>
+                <a:srgbClr val="0070C0"/>
+              </a:solidFill>
+            </a:endParaRPr>
+          </a:p>
+        </p:txBody>
+      </p:sp>
     </p:spTree>
     <p:extLst>
       <p:ext uri="{BB962C8B-B14F-4D97-AF65-F5344CB8AC3E}">
         <p14:creationId xmlns:p14="http://schemas.microsoft.com/office/powerpoint/2010/main" val="4286087962"/>
+      </p:ext>
+    </p:extLst>
+  </p:cSld>
+  <p:clrMapOvr>
+    <a:masterClrMapping/>
+  </p:clrMapOvr>
+</p:sld>
+</file>
+
+<file path=ppt/slides/slide3.xml><?xml version="1.0" encoding="utf-8"?>
+<p:sld xmlns:a="http://schemas.openxmlformats.org/drawingml/2006/main" xmlns:r="http://schemas.openxmlformats.org/officeDocument/2006/relationships" xmlns:p="http://schemas.openxmlformats.org/presentationml/2006/main">
+  <p:cSld>
+    <p:spTree>
+      <p:nvGrpSpPr>
+        <p:cNvPr id="1" name=""/>
+        <p:cNvGrpSpPr/>
+        <p:nvPr/>
+      </p:nvGrpSpPr>
+      <p:grpSpPr>
+        <a:xfrm>
+          <a:off x="0" y="0"/>
+          <a:ext cx="0" cy="0"/>
+          <a:chOff x="0" y="0"/>
+          <a:chExt cx="0" cy="0"/>
+        </a:xfrm>
+      </p:grpSpPr>
+      <p:sp>
+        <p:nvSpPr>
+          <p:cNvPr id="5" name="TextBox 4">
+            <a:extLst>
+              <a:ext uri="{FF2B5EF4-FFF2-40B4-BE49-F238E27FC236}">
+                <a16:creationId xmlns:a16="http://schemas.microsoft.com/office/drawing/2014/main" id="{3A7A1F5C-9C70-4DE3-BA39-7835B2935EB3}"/>
+              </a:ext>
+            </a:extLst>
+          </p:cNvPr>
+          <p:cNvSpPr txBox="1"/>
+          <p:nvPr/>
+        </p:nvSpPr>
+        <p:spPr>
+          <a:xfrm>
+            <a:off x="1138104" y="1569406"/>
+            <a:ext cx="9464530" cy="3970318"/>
+          </a:xfrm>
+          <a:prstGeom prst="rect">
+            <a:avLst/>
+          </a:prstGeom>
+          <a:noFill/>
+        </p:spPr>
+        <p:txBody>
+          <a:bodyPr wrap="square">
+            <a:spAutoFit/>
+          </a:bodyPr>
+          <a:lstStyle/>
+          <a:p>
+            <a:endParaRPr lang="en-GB" sz="2800" dirty="0">
+              <a:solidFill>
+                <a:srgbClr val="0070C0"/>
+              </a:solidFill>
+            </a:endParaRPr>
+          </a:p>
+          <a:p>
+            <a:endParaRPr lang="en-GB" sz="2800" dirty="0">
+              <a:solidFill>
+                <a:srgbClr val="0070C0"/>
+              </a:solidFill>
+            </a:endParaRPr>
+          </a:p>
+          <a:p>
+            <a:pPr marL="457200" indent="-457200">
+              <a:buFont typeface="Arial" panose="020B0604020202020204" pitchFamily="34" charset="0"/>
+              <a:buChar char="•"/>
+            </a:pPr>
+            <a:r>
+              <a:rPr lang="pl-PL" sz="2800" dirty="0">
+                <a:solidFill>
+                  <a:srgbClr val="0070C0"/>
+                </a:solidFill>
+              </a:rPr>
+              <a:t>In ELN for </a:t>
+            </a:r>
+            <a:r>
+              <a:rPr lang="pl-PL" sz="2800" dirty="0" err="1">
+                <a:solidFill>
+                  <a:srgbClr val="0070C0"/>
+                </a:solidFill>
+              </a:rPr>
+              <a:t>different</a:t>
+            </a:r>
+            <a:r>
+              <a:rPr lang="pl-PL" sz="2800" dirty="0">
+                <a:solidFill>
+                  <a:srgbClr val="0070C0"/>
+                </a:solidFill>
+              </a:rPr>
+              <a:t> </a:t>
+            </a:r>
+            <a:r>
+              <a:rPr lang="pl-PL" sz="2800" dirty="0" err="1">
+                <a:solidFill>
+                  <a:srgbClr val="0070C0"/>
+                </a:solidFill>
+              </a:rPr>
+              <a:t>experiment</a:t>
+            </a:r>
+            <a:r>
+              <a:rPr lang="pl-PL" sz="2800" dirty="0">
+                <a:solidFill>
+                  <a:srgbClr val="0070C0"/>
+                </a:solidFill>
+              </a:rPr>
+              <a:t> </a:t>
+            </a:r>
+            <a:r>
+              <a:rPr lang="pl-PL" sz="2800" dirty="0" err="1">
+                <a:solidFill>
+                  <a:srgbClr val="0070C0"/>
+                </a:solidFill>
+              </a:rPr>
+              <a:t>type</a:t>
+            </a:r>
+            <a:r>
+              <a:rPr lang="pl-PL" sz="2800" dirty="0">
+                <a:solidFill>
+                  <a:srgbClr val="0070C0"/>
+                </a:solidFill>
+              </a:rPr>
+              <a:t> (</a:t>
+            </a:r>
+            <a:r>
+              <a:rPr lang="pl-PL" sz="2800" dirty="0" err="1">
+                <a:solidFill>
+                  <a:srgbClr val="0070C0"/>
+                </a:solidFill>
+              </a:rPr>
+              <a:t>e.g</a:t>
+            </a:r>
+            <a:r>
+              <a:rPr lang="pl-PL" sz="2800" dirty="0">
+                <a:solidFill>
+                  <a:srgbClr val="0070C0"/>
+                </a:solidFill>
+              </a:rPr>
+              <a:t>. </a:t>
+            </a:r>
+            <a:r>
+              <a:rPr lang="pl-PL" sz="2800" dirty="0" err="1">
+                <a:solidFill>
+                  <a:srgbClr val="0070C0"/>
+                </a:solidFill>
+              </a:rPr>
+              <a:t>Benchling</a:t>
+            </a:r>
+            <a:r>
+              <a:rPr lang="pl-PL" sz="2800" dirty="0">
+                <a:solidFill>
+                  <a:srgbClr val="0070C0"/>
+                </a:solidFill>
+              </a:rPr>
+              <a:t>)</a:t>
+            </a:r>
+          </a:p>
+          <a:p>
+            <a:pPr marL="457200" indent="-457200">
+              <a:buFont typeface="Arial" panose="020B0604020202020204" pitchFamily="34" charset="0"/>
+              <a:buChar char="•"/>
+            </a:pPr>
+            <a:r>
+              <a:rPr lang="pl-PL" sz="2800" dirty="0">
+                <a:solidFill>
+                  <a:srgbClr val="0070C0"/>
+                </a:solidFill>
+              </a:rPr>
+              <a:t>For </a:t>
+            </a:r>
+            <a:r>
+              <a:rPr lang="pl-PL" sz="2800" dirty="0" err="1">
+                <a:solidFill>
+                  <a:srgbClr val="0070C0"/>
+                </a:solidFill>
+              </a:rPr>
+              <a:t>samples</a:t>
+            </a:r>
+            <a:r>
+              <a:rPr lang="pl-PL" sz="2800" dirty="0">
+                <a:solidFill>
+                  <a:srgbClr val="0070C0"/>
+                </a:solidFill>
+              </a:rPr>
+              <a:t> </a:t>
+            </a:r>
+            <a:r>
+              <a:rPr lang="pl-PL" sz="2800" dirty="0" err="1">
+                <a:solidFill>
+                  <a:srgbClr val="0070C0"/>
+                </a:solidFill>
+              </a:rPr>
+              <a:t>registration</a:t>
+            </a:r>
+            <a:endParaRPr lang="en-GB" sz="2800" dirty="0">
+              <a:solidFill>
+                <a:srgbClr val="0070C0"/>
+              </a:solidFill>
+            </a:endParaRPr>
+          </a:p>
+          <a:p>
+            <a:pPr marL="457200" indent="-457200">
+              <a:buFont typeface="Arial" panose="020B0604020202020204" pitchFamily="34" charset="0"/>
+              <a:buChar char="•"/>
+            </a:pPr>
+            <a:r>
+              <a:rPr lang="pl-PL" sz="2800" dirty="0">
+                <a:solidFill>
+                  <a:srgbClr val="0070C0"/>
+                </a:solidFill>
+              </a:rPr>
+              <a:t>For </a:t>
+            </a:r>
+            <a:r>
+              <a:rPr lang="pl-PL" sz="2800" dirty="0" err="1">
+                <a:solidFill>
+                  <a:srgbClr val="0070C0"/>
+                </a:solidFill>
+              </a:rPr>
+              <a:t>project</a:t>
+            </a:r>
+            <a:r>
+              <a:rPr lang="pl-PL" sz="2800" dirty="0">
+                <a:solidFill>
+                  <a:srgbClr val="0070C0"/>
+                </a:solidFill>
+              </a:rPr>
+              <a:t> </a:t>
+            </a:r>
+            <a:r>
+              <a:rPr lang="pl-PL" sz="2800" dirty="0" err="1">
+                <a:solidFill>
+                  <a:srgbClr val="0070C0"/>
+                </a:solidFill>
+              </a:rPr>
+              <a:t>structure</a:t>
+            </a:r>
+            <a:endParaRPr lang="en-GB" sz="2800" dirty="0">
+              <a:solidFill>
+                <a:srgbClr val="0070C0"/>
+              </a:solidFill>
+            </a:endParaRPr>
+          </a:p>
+          <a:p>
+            <a:pPr marL="457200" indent="-457200">
+              <a:buFont typeface="Arial" panose="020B0604020202020204" pitchFamily="34" charset="0"/>
+              <a:buChar char="•"/>
+            </a:pPr>
+            <a:r>
+              <a:rPr lang="pl-PL" sz="2800" dirty="0">
+                <a:solidFill>
+                  <a:srgbClr val="0070C0"/>
+                </a:solidFill>
+              </a:rPr>
+              <a:t>For </a:t>
+            </a:r>
+            <a:r>
+              <a:rPr lang="pl-PL" sz="2800" dirty="0" err="1">
+                <a:solidFill>
+                  <a:srgbClr val="0070C0"/>
+                </a:solidFill>
+              </a:rPr>
+              <a:t>readme</a:t>
+            </a:r>
+            <a:r>
+              <a:rPr lang="pl-PL" sz="2800" dirty="0">
+                <a:solidFill>
+                  <a:srgbClr val="0070C0"/>
+                </a:solidFill>
+              </a:rPr>
+              <a:t> file</a:t>
+            </a:r>
+            <a:endParaRPr lang="en-GB" sz="2800" dirty="0">
+              <a:solidFill>
+                <a:srgbClr val="0070C0"/>
+              </a:solidFill>
+            </a:endParaRPr>
+          </a:p>
+          <a:p>
+            <a:pPr marL="457200" indent="-457200">
+              <a:buFont typeface="Arial" panose="020B0604020202020204" pitchFamily="34" charset="0"/>
+              <a:buChar char="•"/>
+            </a:pPr>
+            <a:endParaRPr lang="en-GB" sz="2800" dirty="0">
+              <a:solidFill>
+                <a:srgbClr val="0070C0"/>
+              </a:solidFill>
+            </a:endParaRPr>
+          </a:p>
+          <a:p>
+            <a:pPr marL="457200" indent="-457200">
+              <a:buFont typeface="Arial" panose="020B0604020202020204" pitchFamily="34" charset="0"/>
+              <a:buChar char="•"/>
+            </a:pPr>
+            <a:r>
+              <a:rPr lang="pl-PL" sz="2800" dirty="0">
+                <a:solidFill>
+                  <a:srgbClr val="0070C0"/>
+                </a:solidFill>
+              </a:rPr>
+              <a:t>Per </a:t>
+            </a:r>
+            <a:r>
+              <a:rPr lang="pl-PL" sz="2800" dirty="0" err="1">
+                <a:solidFill>
+                  <a:srgbClr val="0070C0"/>
+                </a:solidFill>
+              </a:rPr>
+              <a:t>experiment</a:t>
+            </a:r>
+            <a:r>
+              <a:rPr lang="pl-PL" sz="2800" dirty="0">
+                <a:solidFill>
+                  <a:srgbClr val="0070C0"/>
+                </a:solidFill>
+              </a:rPr>
+              <a:t> </a:t>
+            </a:r>
+            <a:r>
+              <a:rPr lang="pl-PL" sz="2800" dirty="0" err="1">
+                <a:solidFill>
+                  <a:srgbClr val="0070C0"/>
+                </a:solidFill>
+              </a:rPr>
+              <a:t>type</a:t>
+            </a:r>
+            <a:r>
+              <a:rPr lang="pl-PL" sz="2800" dirty="0">
+                <a:solidFill>
+                  <a:srgbClr val="0070C0"/>
+                </a:solidFill>
+              </a:rPr>
+              <a:t> / </a:t>
+            </a:r>
+            <a:r>
+              <a:rPr lang="pl-PL" sz="2800" dirty="0" err="1">
+                <a:solidFill>
+                  <a:srgbClr val="0070C0"/>
+                </a:solidFill>
+              </a:rPr>
+              <a:t>technique</a:t>
+            </a:r>
+            <a:endParaRPr lang="pl-PL" sz="2800" dirty="0">
+              <a:solidFill>
+                <a:srgbClr val="0070C0"/>
+              </a:solidFill>
+            </a:endParaRPr>
+          </a:p>
+          <a:p>
+            <a:pPr marL="457200" indent="-457200">
+              <a:buFont typeface="Arial" panose="020B0604020202020204" pitchFamily="34" charset="0"/>
+              <a:buChar char="•"/>
+            </a:pPr>
+            <a:r>
+              <a:rPr lang="pl-PL" sz="2800" dirty="0">
+                <a:solidFill>
+                  <a:srgbClr val="0070C0"/>
+                </a:solidFill>
+              </a:rPr>
+              <a:t>For </a:t>
+            </a:r>
+            <a:r>
+              <a:rPr lang="pl-PL" sz="2800" dirty="0" err="1">
+                <a:solidFill>
+                  <a:srgbClr val="0070C0"/>
+                </a:solidFill>
+              </a:rPr>
+              <a:t>any</a:t>
+            </a:r>
+            <a:r>
+              <a:rPr lang="pl-PL" sz="2800" dirty="0">
+                <a:solidFill>
+                  <a:srgbClr val="0070C0"/>
+                </a:solidFill>
+              </a:rPr>
+              <a:t> </a:t>
+            </a:r>
+            <a:r>
+              <a:rPr lang="pl-PL" sz="2800" dirty="0" err="1">
+                <a:solidFill>
+                  <a:srgbClr val="0070C0"/>
+                </a:solidFill>
+              </a:rPr>
+              <a:t>repeating</a:t>
+            </a:r>
+            <a:r>
+              <a:rPr lang="pl-PL" sz="2800" dirty="0">
+                <a:solidFill>
+                  <a:srgbClr val="0070C0"/>
+                </a:solidFill>
+              </a:rPr>
+              <a:t> </a:t>
+            </a:r>
+            <a:r>
+              <a:rPr lang="pl-PL" sz="2800" dirty="0" err="1">
+                <a:solidFill>
+                  <a:srgbClr val="0070C0"/>
+                </a:solidFill>
+              </a:rPr>
+              <a:t>activities</a:t>
+            </a:r>
+            <a:endParaRPr lang="en-GB" sz="2800" dirty="0">
+              <a:solidFill>
+                <a:srgbClr val="0070C0"/>
+              </a:solidFill>
+            </a:endParaRPr>
+          </a:p>
+        </p:txBody>
+      </p:sp>
+      <p:pic>
+        <p:nvPicPr>
+          <p:cNvPr id="6" name="Picture 2" descr="Ed_DaSH">
+            <a:extLst>
+              <a:ext uri="{FF2B5EF4-FFF2-40B4-BE49-F238E27FC236}">
+                <a16:creationId xmlns:a16="http://schemas.microsoft.com/office/drawing/2014/main" id="{6F3CF586-06D2-46C3-A4A3-130E31C4A16F}"/>
+              </a:ext>
+            </a:extLst>
+          </p:cNvPr>
+          <p:cNvPicPr>
+            <a:picLocks noChangeAspect="1" noChangeArrowheads="1"/>
+          </p:cNvPicPr>
+          <p:nvPr/>
+        </p:nvPicPr>
+        <p:blipFill>
+          <a:blip r:embed="rId2" cstate="hqprint">
+            <a:extLst>
+              <a:ext uri="{28A0092B-C50C-407E-A947-70E740481C1C}">
+                <a14:useLocalDpi xmlns:a14="http://schemas.microsoft.com/office/drawing/2010/main" val="0"/>
+              </a:ext>
+            </a:extLst>
+          </a:blip>
+          <a:srcRect/>
+          <a:stretch>
+            <a:fillRect/>
+          </a:stretch>
+        </p:blipFill>
+        <p:spPr bwMode="auto">
+          <a:xfrm>
+            <a:off x="10820670" y="5458691"/>
+            <a:ext cx="1289214" cy="1325418"/>
+          </a:xfrm>
+          <a:prstGeom prst="rect">
+            <a:avLst/>
+          </a:prstGeom>
+          <a:noFill/>
+          <a:extLst>
+            <a:ext uri="{909E8E84-426E-40DD-AFC4-6F175D3DCCD1}">
+              <a14:hiddenFill xmlns:a14="http://schemas.microsoft.com/office/drawing/2010/main">
+                <a:solidFill>
+                  <a:srgbClr val="FFFFFF"/>
+                </a:solidFill>
+              </a14:hiddenFill>
+            </a:ext>
+          </a:extLst>
+        </p:spPr>
+      </p:pic>
+      <p:sp>
+        <p:nvSpPr>
+          <p:cNvPr id="4" name="Title 1">
+            <a:extLst>
+              <a:ext uri="{FF2B5EF4-FFF2-40B4-BE49-F238E27FC236}">
+                <a16:creationId xmlns:a16="http://schemas.microsoft.com/office/drawing/2014/main" id="{589BCA0C-EF4D-4E7B-BF8A-C2C50DDE5AB4}"/>
+              </a:ext>
+            </a:extLst>
+          </p:cNvPr>
+          <p:cNvSpPr>
+            <a:spLocks noGrp="1"/>
+          </p:cNvSpPr>
+          <p:nvPr>
+            <p:ph type="title"/>
+          </p:nvPr>
+        </p:nvSpPr>
+        <p:spPr>
+          <a:xfrm>
+            <a:off x="838200" y="365125"/>
+            <a:ext cx="10515600" cy="587375"/>
+          </a:xfrm>
+        </p:spPr>
+        <p:txBody>
+          <a:bodyPr>
+            <a:normAutofit fontScale="90000"/>
+          </a:bodyPr>
+          <a:lstStyle/>
+          <a:p>
+            <a:r>
+              <a:rPr lang="pl-PL" dirty="0">
+                <a:solidFill>
+                  <a:srgbClr val="0070C0"/>
+                </a:solidFill>
+              </a:rPr>
+              <a:t>Templates</a:t>
+            </a:r>
+            <a:endParaRPr lang="en-GB" dirty="0">
+              <a:solidFill>
+                <a:srgbClr val="0070C0"/>
+              </a:solidFill>
+            </a:endParaRPr>
+          </a:p>
+        </p:txBody>
+      </p:sp>
+    </p:spTree>
+    <p:extLst>
+      <p:ext uri="{BB962C8B-B14F-4D97-AF65-F5344CB8AC3E}">
+        <p14:creationId xmlns:p14="http://schemas.microsoft.com/office/powerpoint/2010/main" val="1653617293"/>
+      </p:ext>
+    </p:extLst>
+  </p:cSld>
+  <p:clrMapOvr>
+    <a:masterClrMapping/>
+  </p:clrMapOvr>
+</p:sld>
+</file>
+
+<file path=ppt/slides/slide4.xml><?xml version="1.0" encoding="utf-8"?>
+<p:sld xmlns:a="http://schemas.openxmlformats.org/drawingml/2006/main" xmlns:r="http://schemas.openxmlformats.org/officeDocument/2006/relationships" xmlns:p="http://schemas.openxmlformats.org/presentationml/2006/main">
+  <p:cSld>
+    <p:spTree>
+      <p:nvGrpSpPr>
+        <p:cNvPr id="1" name=""/>
+        <p:cNvGrpSpPr/>
+        <p:nvPr/>
+      </p:nvGrpSpPr>
+      <p:grpSpPr>
+        <a:xfrm>
+          <a:off x="0" y="0"/>
+          <a:ext cx="0" cy="0"/>
+          <a:chOff x="0" y="0"/>
+          <a:chExt cx="0" cy="0"/>
+        </a:xfrm>
+      </p:grpSpPr>
+      <p:sp>
+        <p:nvSpPr>
+          <p:cNvPr id="5" name="TextBox 4">
+            <a:extLst>
+              <a:ext uri="{FF2B5EF4-FFF2-40B4-BE49-F238E27FC236}">
+                <a16:creationId xmlns:a16="http://schemas.microsoft.com/office/drawing/2014/main" id="{3A7A1F5C-9C70-4DE3-BA39-7835B2935EB3}"/>
+              </a:ext>
+            </a:extLst>
+          </p:cNvPr>
+          <p:cNvSpPr txBox="1"/>
+          <p:nvPr/>
+        </p:nvSpPr>
+        <p:spPr>
+          <a:xfrm>
+            <a:off x="1138104" y="1569406"/>
+            <a:ext cx="9464530" cy="523220"/>
+          </a:xfrm>
+          <a:prstGeom prst="rect">
+            <a:avLst/>
+          </a:prstGeom>
+          <a:noFill/>
+        </p:spPr>
+        <p:txBody>
+          <a:bodyPr wrap="square">
+            <a:spAutoFit/>
+          </a:bodyPr>
+          <a:lstStyle/>
+          <a:p>
+            <a:r>
+              <a:rPr lang="pl-PL" sz="2800" dirty="0" err="1">
+                <a:solidFill>
+                  <a:srgbClr val="0070C0"/>
+                </a:solidFill>
+              </a:rPr>
+              <a:t>Example</a:t>
+            </a:r>
+            <a:endParaRPr lang="pl-PL" sz="2800" dirty="0">
+              <a:solidFill>
+                <a:srgbClr val="0070C0"/>
+              </a:solidFill>
+            </a:endParaRPr>
+          </a:p>
+        </p:txBody>
+      </p:sp>
+      <p:pic>
+        <p:nvPicPr>
+          <p:cNvPr id="6" name="Picture 2" descr="Ed_DaSH">
+            <a:extLst>
+              <a:ext uri="{FF2B5EF4-FFF2-40B4-BE49-F238E27FC236}">
+                <a16:creationId xmlns:a16="http://schemas.microsoft.com/office/drawing/2014/main" id="{6F3CF586-06D2-46C3-A4A3-130E31C4A16F}"/>
+              </a:ext>
+            </a:extLst>
+          </p:cNvPr>
+          <p:cNvPicPr>
+            <a:picLocks noChangeAspect="1" noChangeArrowheads="1"/>
+          </p:cNvPicPr>
+          <p:nvPr/>
+        </p:nvPicPr>
+        <p:blipFill>
+          <a:blip r:embed="rId2" cstate="hqprint">
+            <a:extLst>
+              <a:ext uri="{28A0092B-C50C-407E-A947-70E740481C1C}">
+                <a14:useLocalDpi xmlns:a14="http://schemas.microsoft.com/office/drawing/2010/main" val="0"/>
+              </a:ext>
+            </a:extLst>
+          </a:blip>
+          <a:srcRect/>
+          <a:stretch>
+            <a:fillRect/>
+          </a:stretch>
+        </p:blipFill>
+        <p:spPr bwMode="auto">
+          <a:xfrm>
+            <a:off x="10820670" y="5458691"/>
+            <a:ext cx="1289214" cy="1325418"/>
+          </a:xfrm>
+          <a:prstGeom prst="rect">
+            <a:avLst/>
+          </a:prstGeom>
+          <a:noFill/>
+          <a:extLst>
+            <a:ext uri="{909E8E84-426E-40DD-AFC4-6F175D3DCCD1}">
+              <a14:hiddenFill xmlns:a14="http://schemas.microsoft.com/office/drawing/2010/main">
+                <a:solidFill>
+                  <a:srgbClr val="FFFFFF"/>
+                </a:solidFill>
+              </a14:hiddenFill>
+            </a:ext>
+          </a:extLst>
+        </p:spPr>
+      </p:pic>
+      <p:sp>
+        <p:nvSpPr>
+          <p:cNvPr id="4" name="Title 1">
+            <a:extLst>
+              <a:ext uri="{FF2B5EF4-FFF2-40B4-BE49-F238E27FC236}">
+                <a16:creationId xmlns:a16="http://schemas.microsoft.com/office/drawing/2014/main" id="{589BCA0C-EF4D-4E7B-BF8A-C2C50DDE5AB4}"/>
+              </a:ext>
+            </a:extLst>
+          </p:cNvPr>
+          <p:cNvSpPr>
+            <a:spLocks noGrp="1"/>
+          </p:cNvSpPr>
+          <p:nvPr>
+            <p:ph type="title"/>
+          </p:nvPr>
+        </p:nvSpPr>
+        <p:spPr>
+          <a:xfrm>
+            <a:off x="838200" y="365125"/>
+            <a:ext cx="10515600" cy="587375"/>
+          </a:xfrm>
+        </p:spPr>
+        <p:txBody>
+          <a:bodyPr>
+            <a:normAutofit fontScale="90000"/>
+          </a:bodyPr>
+          <a:lstStyle/>
+          <a:p>
+            <a:r>
+              <a:rPr lang="pl-PL" dirty="0">
+                <a:solidFill>
+                  <a:srgbClr val="0070C0"/>
+                </a:solidFill>
+              </a:rPr>
+              <a:t>Templates</a:t>
+            </a:r>
+            <a:endParaRPr lang="en-GB" dirty="0">
+              <a:solidFill>
+                <a:srgbClr val="0070C0"/>
+              </a:solidFill>
+            </a:endParaRPr>
+          </a:p>
+        </p:txBody>
+      </p:sp>
+    </p:spTree>
+    <p:extLst>
+      <p:ext uri="{BB962C8B-B14F-4D97-AF65-F5344CB8AC3E}">
+        <p14:creationId xmlns:p14="http://schemas.microsoft.com/office/powerpoint/2010/main" val="3915185196"/>
+      </p:ext>
+    </p:extLst>
+  </p:cSld>
+  <p:clrMapOvr>
+    <a:masterClrMapping/>
+  </p:clrMapOvr>
+</p:sld>
+</file>
+
+<file path=ppt/slides/slide5.xml><?xml version="1.0" encoding="utf-8"?>
+<p:sld xmlns:a="http://schemas.openxmlformats.org/drawingml/2006/main" xmlns:r="http://schemas.openxmlformats.org/officeDocument/2006/relationships" xmlns:p="http://schemas.openxmlformats.org/presentationml/2006/main">
+  <p:cSld>
+    <p:spTree>
+      <p:nvGrpSpPr>
+        <p:cNvPr id="1" name=""/>
+        <p:cNvGrpSpPr/>
+        <p:nvPr/>
+      </p:nvGrpSpPr>
+      <p:grpSpPr>
+        <a:xfrm>
+          <a:off x="0" y="0"/>
+          <a:ext cx="0" cy="0"/>
+          <a:chOff x="0" y="0"/>
+          <a:chExt cx="0" cy="0"/>
+        </a:xfrm>
+      </p:grpSpPr>
+      <p:sp>
+        <p:nvSpPr>
+          <p:cNvPr id="5" name="TextBox 4">
+            <a:extLst>
+              <a:ext uri="{FF2B5EF4-FFF2-40B4-BE49-F238E27FC236}">
+                <a16:creationId xmlns:a16="http://schemas.microsoft.com/office/drawing/2014/main" id="{3A7A1F5C-9C70-4DE3-BA39-7835B2935EB3}"/>
+              </a:ext>
+            </a:extLst>
+          </p:cNvPr>
+          <p:cNvSpPr txBox="1"/>
+          <p:nvPr/>
+        </p:nvSpPr>
+        <p:spPr>
+          <a:xfrm>
+            <a:off x="1138104" y="1569406"/>
+            <a:ext cx="9464530" cy="2246769"/>
+          </a:xfrm>
+          <a:prstGeom prst="rect">
+            <a:avLst/>
+          </a:prstGeom>
+          <a:noFill/>
+        </p:spPr>
+        <p:txBody>
+          <a:bodyPr wrap="square">
+            <a:spAutoFit/>
+          </a:bodyPr>
+          <a:lstStyle/>
+          <a:p>
+            <a:r>
+              <a:rPr lang="pl-PL" sz="2800" dirty="0">
+                <a:solidFill>
+                  <a:srgbClr val="0070C0"/>
+                </a:solidFill>
+              </a:rPr>
+              <a:t>Write </a:t>
+            </a:r>
+            <a:r>
+              <a:rPr lang="pl-PL" sz="2800" dirty="0" err="1">
+                <a:solidFill>
+                  <a:srgbClr val="0070C0"/>
+                </a:solidFill>
+              </a:rPr>
+              <a:t>your</a:t>
+            </a:r>
+            <a:r>
+              <a:rPr lang="pl-PL" sz="2800" dirty="0">
+                <a:solidFill>
+                  <a:srgbClr val="0070C0"/>
+                </a:solidFill>
+              </a:rPr>
+              <a:t> </a:t>
+            </a:r>
+            <a:r>
+              <a:rPr lang="pl-PL" sz="2800" dirty="0" err="1">
+                <a:solidFill>
+                  <a:srgbClr val="0070C0"/>
+                </a:solidFill>
+              </a:rPr>
+              <a:t>own</a:t>
+            </a:r>
+            <a:r>
+              <a:rPr lang="pl-PL" sz="2800" dirty="0">
+                <a:solidFill>
+                  <a:srgbClr val="0070C0"/>
+                </a:solidFill>
+              </a:rPr>
+              <a:t> </a:t>
+            </a:r>
+            <a:r>
+              <a:rPr lang="pl-PL" sz="2800" dirty="0" err="1">
+                <a:solidFill>
+                  <a:srgbClr val="0070C0"/>
+                </a:solidFill>
+              </a:rPr>
+              <a:t>template</a:t>
+            </a:r>
+            <a:r>
+              <a:rPr lang="pl-PL" sz="2800" dirty="0">
+                <a:solidFill>
+                  <a:srgbClr val="0070C0"/>
+                </a:solidFill>
+              </a:rPr>
+              <a:t> for </a:t>
+            </a:r>
+            <a:r>
+              <a:rPr lang="pl-PL" sz="2800" dirty="0" err="1">
+                <a:solidFill>
+                  <a:srgbClr val="0070C0"/>
+                </a:solidFill>
+              </a:rPr>
+              <a:t>either</a:t>
+            </a:r>
+            <a:endParaRPr lang="pl-PL" sz="2800" dirty="0">
+              <a:solidFill>
+                <a:srgbClr val="0070C0"/>
+              </a:solidFill>
+            </a:endParaRPr>
+          </a:p>
+          <a:p>
+            <a:pPr marL="457200" indent="-457200">
+              <a:buFontTx/>
+              <a:buChar char="-"/>
+            </a:pPr>
+            <a:r>
+              <a:rPr lang="pl-PL" sz="2800" dirty="0">
+                <a:solidFill>
+                  <a:srgbClr val="0070C0"/>
+                </a:solidFill>
+              </a:rPr>
+              <a:t>a </a:t>
+            </a:r>
+            <a:r>
+              <a:rPr lang="pl-PL" sz="2800" dirty="0" err="1">
+                <a:solidFill>
+                  <a:srgbClr val="0070C0"/>
+                </a:solidFill>
+              </a:rPr>
+              <a:t>measurement</a:t>
+            </a:r>
+            <a:r>
+              <a:rPr lang="pl-PL" sz="2800" dirty="0">
+                <a:solidFill>
+                  <a:srgbClr val="0070C0"/>
+                </a:solidFill>
+              </a:rPr>
+              <a:t> (PCR on robot)</a:t>
+            </a:r>
+          </a:p>
+          <a:p>
+            <a:pPr marL="457200" indent="-457200">
+              <a:buFontTx/>
+              <a:buChar char="-"/>
+            </a:pPr>
+            <a:r>
+              <a:rPr lang="pl-PL" sz="2800" dirty="0">
+                <a:solidFill>
+                  <a:srgbClr val="0070C0"/>
+                </a:solidFill>
+              </a:rPr>
+              <a:t>Experiment (</a:t>
+            </a:r>
+            <a:r>
+              <a:rPr lang="pl-PL" sz="2800" dirty="0" err="1">
+                <a:solidFill>
+                  <a:srgbClr val="0070C0"/>
+                </a:solidFill>
+              </a:rPr>
+              <a:t>gene</a:t>
+            </a:r>
+            <a:r>
+              <a:rPr lang="pl-PL" sz="2800" dirty="0">
+                <a:solidFill>
+                  <a:srgbClr val="0070C0"/>
+                </a:solidFill>
+              </a:rPr>
+              <a:t> </a:t>
+            </a:r>
+            <a:r>
+              <a:rPr lang="pl-PL" sz="2800" dirty="0" err="1">
+                <a:solidFill>
+                  <a:srgbClr val="0070C0"/>
+                </a:solidFill>
+              </a:rPr>
+              <a:t>levels</a:t>
+            </a:r>
+            <a:r>
+              <a:rPr lang="pl-PL" sz="2800" dirty="0">
+                <a:solidFill>
+                  <a:srgbClr val="0070C0"/>
+                </a:solidFill>
+              </a:rPr>
+              <a:t> in </a:t>
+            </a:r>
+            <a:r>
+              <a:rPr lang="pl-PL" sz="2800" dirty="0" err="1">
+                <a:solidFill>
+                  <a:srgbClr val="0070C0"/>
+                </a:solidFill>
+              </a:rPr>
+              <a:t>response</a:t>
+            </a:r>
+            <a:r>
+              <a:rPr lang="pl-PL" sz="2800" dirty="0">
+                <a:solidFill>
+                  <a:srgbClr val="0070C0"/>
+                </a:solidFill>
+              </a:rPr>
+              <a:t> to </a:t>
+            </a:r>
+            <a:r>
+              <a:rPr lang="pl-PL" sz="2800" dirty="0" err="1">
+                <a:solidFill>
+                  <a:srgbClr val="0070C0"/>
+                </a:solidFill>
+              </a:rPr>
+              <a:t>stress</a:t>
+            </a:r>
+            <a:r>
+              <a:rPr lang="pl-PL" sz="2800" dirty="0">
+                <a:solidFill>
+                  <a:srgbClr val="0070C0"/>
+                </a:solidFill>
+              </a:rPr>
+              <a:t>)</a:t>
+            </a:r>
+          </a:p>
+          <a:p>
+            <a:pPr marL="457200" indent="-457200">
+              <a:buFontTx/>
+              <a:buChar char="-"/>
+            </a:pPr>
+            <a:endParaRPr lang="pl-PL" sz="2800" dirty="0">
+              <a:solidFill>
+                <a:srgbClr val="0070C0"/>
+              </a:solidFill>
+            </a:endParaRPr>
+          </a:p>
+          <a:p>
+            <a:r>
+              <a:rPr lang="pl-PL" sz="2800" dirty="0">
+                <a:solidFill>
+                  <a:srgbClr val="0070C0"/>
+                </a:solidFill>
+              </a:rPr>
+              <a:t>In Excel </a:t>
+            </a:r>
+            <a:r>
+              <a:rPr lang="pl-PL" sz="2800" dirty="0" err="1">
+                <a:solidFill>
+                  <a:srgbClr val="0070C0"/>
+                </a:solidFill>
+              </a:rPr>
+              <a:t>or</a:t>
+            </a:r>
+            <a:r>
+              <a:rPr lang="pl-PL" sz="2800" dirty="0">
+                <a:solidFill>
+                  <a:srgbClr val="0070C0"/>
+                </a:solidFill>
+              </a:rPr>
+              <a:t> </a:t>
+            </a:r>
+            <a:r>
+              <a:rPr lang="pl-PL" sz="2800" dirty="0" err="1">
+                <a:solidFill>
+                  <a:srgbClr val="0070C0"/>
+                </a:solidFill>
+              </a:rPr>
+              <a:t>Document</a:t>
+            </a:r>
+            <a:r>
+              <a:rPr lang="pl-PL" sz="2800" dirty="0">
+                <a:solidFill>
+                  <a:srgbClr val="0070C0"/>
+                </a:solidFill>
+              </a:rPr>
+              <a:t> (txt </a:t>
+            </a:r>
+            <a:r>
+              <a:rPr lang="pl-PL" sz="2800" dirty="0" err="1">
+                <a:solidFill>
+                  <a:srgbClr val="0070C0"/>
+                </a:solidFill>
+              </a:rPr>
+              <a:t>or</a:t>
+            </a:r>
+            <a:r>
+              <a:rPr lang="pl-PL" sz="2800" dirty="0">
+                <a:solidFill>
+                  <a:srgbClr val="0070C0"/>
+                </a:solidFill>
+              </a:rPr>
+              <a:t> </a:t>
+            </a:r>
+            <a:r>
+              <a:rPr lang="pl-PL" sz="2800" dirty="0" err="1">
+                <a:solidFill>
+                  <a:srgbClr val="0070C0"/>
+                </a:solidFill>
+              </a:rPr>
+              <a:t>word</a:t>
+            </a:r>
+            <a:r>
+              <a:rPr lang="pl-PL" sz="2800" dirty="0">
+                <a:solidFill>
+                  <a:srgbClr val="0070C0"/>
+                </a:solidFill>
+              </a:rPr>
+              <a:t>)</a:t>
+            </a:r>
+          </a:p>
+        </p:txBody>
+      </p:sp>
+      <p:pic>
+        <p:nvPicPr>
+          <p:cNvPr id="6" name="Picture 2" descr="Ed_DaSH">
+            <a:extLst>
+              <a:ext uri="{FF2B5EF4-FFF2-40B4-BE49-F238E27FC236}">
+                <a16:creationId xmlns:a16="http://schemas.microsoft.com/office/drawing/2014/main" id="{6F3CF586-06D2-46C3-A4A3-130E31C4A16F}"/>
+              </a:ext>
+            </a:extLst>
+          </p:cNvPr>
+          <p:cNvPicPr>
+            <a:picLocks noChangeAspect="1" noChangeArrowheads="1"/>
+          </p:cNvPicPr>
+          <p:nvPr/>
+        </p:nvPicPr>
+        <p:blipFill>
+          <a:blip r:embed="rId2" cstate="hqprint">
+            <a:extLst>
+              <a:ext uri="{28A0092B-C50C-407E-A947-70E740481C1C}">
+                <a14:useLocalDpi xmlns:a14="http://schemas.microsoft.com/office/drawing/2010/main" val="0"/>
+              </a:ext>
+            </a:extLst>
+          </a:blip>
+          <a:srcRect/>
+          <a:stretch>
+            <a:fillRect/>
+          </a:stretch>
+        </p:blipFill>
+        <p:spPr bwMode="auto">
+          <a:xfrm>
+            <a:off x="10820670" y="5458691"/>
+            <a:ext cx="1289214" cy="1325418"/>
+          </a:xfrm>
+          <a:prstGeom prst="rect">
+            <a:avLst/>
+          </a:prstGeom>
+          <a:noFill/>
+          <a:extLst>
+            <a:ext uri="{909E8E84-426E-40DD-AFC4-6F175D3DCCD1}">
+              <a14:hiddenFill xmlns:a14="http://schemas.microsoft.com/office/drawing/2010/main">
+                <a:solidFill>
+                  <a:srgbClr val="FFFFFF"/>
+                </a:solidFill>
+              </a14:hiddenFill>
+            </a:ext>
+          </a:extLst>
+        </p:spPr>
+      </p:pic>
+      <p:sp>
+        <p:nvSpPr>
+          <p:cNvPr id="4" name="Title 1">
+            <a:extLst>
+              <a:ext uri="{FF2B5EF4-FFF2-40B4-BE49-F238E27FC236}">
+                <a16:creationId xmlns:a16="http://schemas.microsoft.com/office/drawing/2014/main" id="{589BCA0C-EF4D-4E7B-BF8A-C2C50DDE5AB4}"/>
+              </a:ext>
+            </a:extLst>
+          </p:cNvPr>
+          <p:cNvSpPr>
+            <a:spLocks noGrp="1"/>
+          </p:cNvSpPr>
+          <p:nvPr>
+            <p:ph type="title"/>
+          </p:nvPr>
+        </p:nvSpPr>
+        <p:spPr>
+          <a:xfrm>
+            <a:off x="838200" y="365125"/>
+            <a:ext cx="10515600" cy="587375"/>
+          </a:xfrm>
+        </p:spPr>
+        <p:txBody>
+          <a:bodyPr>
+            <a:normAutofit fontScale="90000"/>
+          </a:bodyPr>
+          <a:lstStyle/>
+          <a:p>
+            <a:r>
+              <a:rPr lang="pl-PL" dirty="0">
+                <a:solidFill>
+                  <a:srgbClr val="0070C0"/>
+                </a:solidFill>
+              </a:rPr>
+              <a:t>Templates</a:t>
+            </a:r>
+            <a:endParaRPr lang="en-GB" dirty="0">
+              <a:solidFill>
+                <a:srgbClr val="0070C0"/>
+              </a:solidFill>
+            </a:endParaRPr>
+          </a:p>
+        </p:txBody>
+      </p:sp>
+    </p:spTree>
+    <p:extLst>
+      <p:ext uri="{BB962C8B-B14F-4D97-AF65-F5344CB8AC3E}">
+        <p14:creationId xmlns:p14="http://schemas.microsoft.com/office/powerpoint/2010/main" val="1213901906"/>
+      </p:ext>
+    </p:extLst>
+  </p:cSld>
+  <p:clrMapOvr>
+    <a:masterClrMapping/>
+  </p:clrMapOvr>
+</p:sld>
+</file>
+
+<file path=ppt/slides/slide6.xml><?xml version="1.0" encoding="utf-8"?>
+<p:sld xmlns:a="http://schemas.openxmlformats.org/drawingml/2006/main" xmlns:r="http://schemas.openxmlformats.org/officeDocument/2006/relationships" xmlns:p="http://schemas.openxmlformats.org/presentationml/2006/main">
+  <p:cSld>
+    <p:spTree>
+      <p:nvGrpSpPr>
+        <p:cNvPr id="1" name=""/>
+        <p:cNvGrpSpPr/>
+        <p:nvPr/>
+      </p:nvGrpSpPr>
+      <p:grpSpPr>
+        <a:xfrm>
+          <a:off x="0" y="0"/>
+          <a:ext cx="0" cy="0"/>
+          <a:chOff x="0" y="0"/>
+          <a:chExt cx="0" cy="0"/>
+        </a:xfrm>
+      </p:grpSpPr>
+      <p:sp>
+        <p:nvSpPr>
+          <p:cNvPr id="5" name="TextBox 4">
+            <a:extLst>
+              <a:ext uri="{FF2B5EF4-FFF2-40B4-BE49-F238E27FC236}">
+                <a16:creationId xmlns:a16="http://schemas.microsoft.com/office/drawing/2014/main" id="{3A7A1F5C-9C70-4DE3-BA39-7835B2935EB3}"/>
+              </a:ext>
+            </a:extLst>
+          </p:cNvPr>
+          <p:cNvSpPr txBox="1"/>
+          <p:nvPr/>
+        </p:nvSpPr>
+        <p:spPr>
+          <a:xfrm>
+            <a:off x="1138104" y="1569406"/>
+            <a:ext cx="9464530" cy="2246769"/>
+          </a:xfrm>
+          <a:prstGeom prst="rect">
+            <a:avLst/>
+          </a:prstGeom>
+          <a:noFill/>
+        </p:spPr>
+        <p:txBody>
+          <a:bodyPr wrap="square">
+            <a:spAutoFit/>
+          </a:bodyPr>
+          <a:lstStyle/>
+          <a:p>
+            <a:pPr marL="457200" indent="-457200">
+              <a:buFont typeface="Arial" panose="020B0604020202020204" pitchFamily="34" charset="0"/>
+              <a:buChar char="•"/>
+            </a:pPr>
+            <a:r>
+              <a:rPr lang="pl-PL" sz="2800" dirty="0" err="1">
+                <a:solidFill>
+                  <a:srgbClr val="0070C0"/>
+                </a:solidFill>
+              </a:rPr>
+              <a:t>what</a:t>
+            </a:r>
+            <a:r>
+              <a:rPr lang="pl-PL" sz="2800" dirty="0">
+                <a:solidFill>
+                  <a:srgbClr val="0070C0"/>
+                </a:solidFill>
+              </a:rPr>
+              <a:t> </a:t>
+            </a:r>
+            <a:r>
+              <a:rPr lang="pl-PL" sz="2800" dirty="0" err="1">
+                <a:solidFill>
+                  <a:srgbClr val="0070C0"/>
+                </a:solidFill>
+              </a:rPr>
+              <a:t>you</a:t>
+            </a:r>
+            <a:r>
+              <a:rPr lang="pl-PL" sz="2800" dirty="0">
+                <a:solidFill>
+                  <a:srgbClr val="0070C0"/>
+                </a:solidFill>
+              </a:rPr>
+              <a:t> </a:t>
+            </a:r>
+            <a:r>
+              <a:rPr lang="pl-PL" sz="2800" dirty="0" err="1">
+                <a:solidFill>
+                  <a:srgbClr val="0070C0"/>
+                </a:solidFill>
+              </a:rPr>
+              <a:t>will</a:t>
+            </a:r>
+            <a:r>
+              <a:rPr lang="pl-PL" sz="2800" dirty="0">
+                <a:solidFill>
+                  <a:srgbClr val="0070C0"/>
+                </a:solidFill>
+              </a:rPr>
+              <a:t> </a:t>
+            </a:r>
+            <a:r>
+              <a:rPr lang="pl-PL" sz="2800" dirty="0" err="1">
+                <a:solidFill>
+                  <a:srgbClr val="0070C0"/>
+                </a:solidFill>
+              </a:rPr>
+              <a:t>need</a:t>
+            </a:r>
+            <a:r>
+              <a:rPr lang="pl-PL" sz="2800" dirty="0">
+                <a:solidFill>
+                  <a:srgbClr val="0070C0"/>
+                </a:solidFill>
+              </a:rPr>
+              <a:t> as the </a:t>
+            </a:r>
+            <a:r>
+              <a:rPr lang="pl-PL" sz="2800" dirty="0" err="1">
+                <a:solidFill>
+                  <a:srgbClr val="0070C0"/>
+                </a:solidFill>
+              </a:rPr>
+              <a:t>producer</a:t>
+            </a:r>
+            <a:endParaRPr lang="pl-PL" sz="2800" dirty="0">
+              <a:solidFill>
+                <a:srgbClr val="0070C0"/>
+              </a:solidFill>
+            </a:endParaRPr>
+          </a:p>
+          <a:p>
+            <a:pPr marL="457200" indent="-457200">
+              <a:buFont typeface="Arial" panose="020B0604020202020204" pitchFamily="34" charset="0"/>
+              <a:buChar char="•"/>
+            </a:pPr>
+            <a:r>
+              <a:rPr lang="pl-PL" sz="2800" dirty="0" err="1">
+                <a:solidFill>
+                  <a:srgbClr val="0070C0"/>
+                </a:solidFill>
+              </a:rPr>
+              <a:t>what</a:t>
+            </a:r>
+            <a:r>
+              <a:rPr lang="pl-PL" sz="2800" dirty="0">
+                <a:solidFill>
+                  <a:srgbClr val="0070C0"/>
+                </a:solidFill>
+              </a:rPr>
+              <a:t> </a:t>
+            </a:r>
+            <a:r>
+              <a:rPr lang="pl-PL" sz="2800" dirty="0" err="1">
+                <a:solidFill>
+                  <a:srgbClr val="0070C0"/>
+                </a:solidFill>
+              </a:rPr>
+              <a:t>you</a:t>
+            </a:r>
+            <a:r>
+              <a:rPr lang="pl-PL" sz="2800" dirty="0">
+                <a:solidFill>
+                  <a:srgbClr val="0070C0"/>
+                </a:solidFill>
+              </a:rPr>
+              <a:t> </a:t>
+            </a:r>
+            <a:r>
+              <a:rPr lang="pl-PL" sz="2800" dirty="0" err="1">
+                <a:solidFill>
+                  <a:srgbClr val="0070C0"/>
+                </a:solidFill>
+              </a:rPr>
+              <a:t>will</a:t>
+            </a:r>
+            <a:r>
+              <a:rPr lang="pl-PL" sz="2800" dirty="0">
+                <a:solidFill>
+                  <a:srgbClr val="0070C0"/>
+                </a:solidFill>
+              </a:rPr>
+              <a:t> </a:t>
+            </a:r>
+            <a:r>
+              <a:rPr lang="pl-PL" sz="2800" dirty="0" err="1">
+                <a:solidFill>
+                  <a:srgbClr val="0070C0"/>
+                </a:solidFill>
+              </a:rPr>
+              <a:t>need</a:t>
+            </a:r>
+            <a:r>
+              <a:rPr lang="pl-PL" sz="2800" dirty="0">
+                <a:solidFill>
+                  <a:srgbClr val="0070C0"/>
+                </a:solidFill>
+              </a:rPr>
+              <a:t> as the </a:t>
+            </a:r>
+            <a:r>
+              <a:rPr lang="pl-PL" sz="2800" dirty="0" err="1">
+                <a:solidFill>
+                  <a:srgbClr val="0070C0"/>
+                </a:solidFill>
+              </a:rPr>
+              <a:t>consumer</a:t>
+            </a:r>
+            <a:endParaRPr lang="pl-PL" sz="2800" dirty="0">
+              <a:solidFill>
+                <a:srgbClr val="0070C0"/>
+              </a:solidFill>
+            </a:endParaRPr>
+          </a:p>
+          <a:p>
+            <a:pPr marL="457200" indent="-457200">
+              <a:buFont typeface="Arial" panose="020B0604020202020204" pitchFamily="34" charset="0"/>
+              <a:buChar char="•"/>
+            </a:pPr>
+            <a:r>
+              <a:rPr lang="pl-PL" sz="2800" dirty="0" err="1">
+                <a:solidFill>
+                  <a:srgbClr val="0070C0"/>
+                </a:solidFill>
+              </a:rPr>
+              <a:t>how</a:t>
+            </a:r>
+            <a:r>
+              <a:rPr lang="pl-PL" sz="2800" dirty="0">
+                <a:solidFill>
+                  <a:srgbClr val="0070C0"/>
+                </a:solidFill>
+              </a:rPr>
+              <a:t> </a:t>
+            </a:r>
+            <a:r>
+              <a:rPr lang="pl-PL" sz="2800" dirty="0" err="1">
+                <a:solidFill>
+                  <a:srgbClr val="0070C0"/>
+                </a:solidFill>
+              </a:rPr>
+              <a:t>you</a:t>
+            </a:r>
+            <a:r>
+              <a:rPr lang="pl-PL" sz="2800" dirty="0">
+                <a:solidFill>
+                  <a:srgbClr val="0070C0"/>
+                </a:solidFill>
+              </a:rPr>
+              <a:t> </a:t>
+            </a:r>
+            <a:r>
+              <a:rPr lang="pl-PL" sz="2800" dirty="0" err="1">
+                <a:solidFill>
+                  <a:srgbClr val="0070C0"/>
+                </a:solidFill>
+              </a:rPr>
+              <a:t>could</a:t>
+            </a:r>
+            <a:r>
+              <a:rPr lang="pl-PL" sz="2800" dirty="0">
+                <a:solidFill>
+                  <a:srgbClr val="0070C0"/>
+                </a:solidFill>
+              </a:rPr>
+              <a:t> limit the </a:t>
+            </a:r>
+            <a:r>
+              <a:rPr lang="pl-PL" sz="2800" dirty="0" err="1">
+                <a:solidFill>
+                  <a:srgbClr val="0070C0"/>
+                </a:solidFill>
+              </a:rPr>
+              <a:t>values</a:t>
+            </a:r>
+            <a:r>
+              <a:rPr lang="pl-PL" sz="2800" dirty="0">
+                <a:solidFill>
+                  <a:srgbClr val="0070C0"/>
+                </a:solidFill>
+              </a:rPr>
+              <a:t> (</a:t>
+            </a:r>
+            <a:r>
+              <a:rPr lang="pl-PL" sz="2800" dirty="0" err="1">
+                <a:solidFill>
+                  <a:srgbClr val="0070C0"/>
+                </a:solidFill>
+              </a:rPr>
+              <a:t>controlled</a:t>
+            </a:r>
+            <a:r>
+              <a:rPr lang="pl-PL" sz="2800" dirty="0">
+                <a:solidFill>
+                  <a:srgbClr val="0070C0"/>
+                </a:solidFill>
+              </a:rPr>
+              <a:t> </a:t>
+            </a:r>
+            <a:r>
+              <a:rPr lang="pl-PL" sz="2800" dirty="0" err="1">
+                <a:solidFill>
+                  <a:srgbClr val="0070C0"/>
+                </a:solidFill>
+              </a:rPr>
+              <a:t>vocabularies</a:t>
+            </a:r>
+            <a:r>
+              <a:rPr lang="pl-PL" sz="2800" dirty="0">
+                <a:solidFill>
+                  <a:srgbClr val="0070C0"/>
+                </a:solidFill>
+              </a:rPr>
+              <a:t>)</a:t>
+            </a:r>
+          </a:p>
+          <a:p>
+            <a:pPr marL="457200" indent="-457200">
+              <a:buFont typeface="Arial" panose="020B0604020202020204" pitchFamily="34" charset="0"/>
+              <a:buChar char="•"/>
+            </a:pPr>
+            <a:r>
+              <a:rPr lang="pl-PL" sz="2800" dirty="0" err="1">
+                <a:solidFill>
+                  <a:srgbClr val="0070C0"/>
+                </a:solidFill>
+              </a:rPr>
+              <a:t>what</a:t>
+            </a:r>
+            <a:r>
+              <a:rPr lang="pl-PL" sz="2800" dirty="0">
+                <a:solidFill>
+                  <a:srgbClr val="0070C0"/>
+                </a:solidFill>
+              </a:rPr>
+              <a:t> PID </a:t>
+            </a:r>
+            <a:r>
+              <a:rPr lang="pl-PL" sz="2800" dirty="0" err="1">
+                <a:solidFill>
+                  <a:srgbClr val="0070C0"/>
+                </a:solidFill>
+              </a:rPr>
+              <a:t>or</a:t>
+            </a:r>
+            <a:r>
+              <a:rPr lang="pl-PL" sz="2800" dirty="0">
+                <a:solidFill>
+                  <a:srgbClr val="0070C0"/>
+                </a:solidFill>
+              </a:rPr>
+              <a:t> </a:t>
+            </a:r>
+            <a:r>
+              <a:rPr lang="pl-PL" sz="2800" dirty="0" err="1">
+                <a:solidFill>
+                  <a:srgbClr val="0070C0"/>
+                </a:solidFill>
+              </a:rPr>
+              <a:t>ontology</a:t>
+            </a:r>
+            <a:r>
+              <a:rPr lang="pl-PL" sz="2800" dirty="0">
+                <a:solidFill>
+                  <a:srgbClr val="0070C0"/>
+                </a:solidFill>
+              </a:rPr>
+              <a:t> </a:t>
+            </a:r>
+            <a:r>
+              <a:rPr lang="pl-PL" sz="2800" dirty="0" err="1">
+                <a:solidFill>
+                  <a:srgbClr val="0070C0"/>
+                </a:solidFill>
+              </a:rPr>
+              <a:t>terms</a:t>
+            </a:r>
+            <a:r>
+              <a:rPr lang="pl-PL" sz="2800" dirty="0">
+                <a:solidFill>
+                  <a:srgbClr val="0070C0"/>
+                </a:solidFill>
+              </a:rPr>
+              <a:t> </a:t>
+            </a:r>
+            <a:r>
+              <a:rPr lang="pl-PL" sz="2800" dirty="0" err="1">
+                <a:solidFill>
+                  <a:srgbClr val="0070C0"/>
+                </a:solidFill>
+              </a:rPr>
+              <a:t>you</a:t>
+            </a:r>
+            <a:r>
+              <a:rPr lang="pl-PL" sz="2800" dirty="0">
+                <a:solidFill>
+                  <a:srgbClr val="0070C0"/>
+                </a:solidFill>
+              </a:rPr>
+              <a:t> </a:t>
+            </a:r>
+            <a:r>
+              <a:rPr lang="pl-PL" sz="2800" dirty="0" err="1">
+                <a:solidFill>
+                  <a:srgbClr val="0070C0"/>
+                </a:solidFill>
+              </a:rPr>
+              <a:t>could</a:t>
+            </a:r>
+            <a:r>
+              <a:rPr lang="pl-PL" sz="2800" dirty="0">
+                <a:solidFill>
+                  <a:srgbClr val="0070C0"/>
+                </a:solidFill>
+              </a:rPr>
+              <a:t> </a:t>
+            </a:r>
+            <a:r>
+              <a:rPr lang="pl-PL" sz="2800" dirty="0" err="1">
+                <a:solidFill>
+                  <a:srgbClr val="0070C0"/>
+                </a:solidFill>
+              </a:rPr>
+              <a:t>use</a:t>
+            </a:r>
+            <a:r>
+              <a:rPr lang="pl-PL" sz="2800" dirty="0">
+                <a:solidFill>
+                  <a:srgbClr val="0070C0"/>
+                </a:solidFill>
+              </a:rPr>
+              <a:t> to </a:t>
+            </a:r>
+            <a:r>
+              <a:rPr lang="pl-PL" sz="2800" dirty="0" err="1">
+                <a:solidFill>
+                  <a:srgbClr val="0070C0"/>
+                </a:solidFill>
+              </a:rPr>
+              <a:t>annotate</a:t>
+            </a:r>
+            <a:endParaRPr lang="pl-PL" sz="2800" dirty="0">
+              <a:solidFill>
+                <a:srgbClr val="0070C0"/>
+              </a:solidFill>
+            </a:endParaRPr>
+          </a:p>
+          <a:p>
+            <a:pPr marL="457200" indent="-457200">
+              <a:buFont typeface="Arial" panose="020B0604020202020204" pitchFamily="34" charset="0"/>
+              <a:buChar char="•"/>
+            </a:pPr>
+            <a:endParaRPr lang="pl-PL" sz="2800" dirty="0">
+              <a:solidFill>
+                <a:srgbClr val="0070C0"/>
+              </a:solidFill>
+            </a:endParaRPr>
+          </a:p>
+        </p:txBody>
+      </p:sp>
+      <p:pic>
+        <p:nvPicPr>
+          <p:cNvPr id="6" name="Picture 2" descr="Ed_DaSH">
+            <a:extLst>
+              <a:ext uri="{FF2B5EF4-FFF2-40B4-BE49-F238E27FC236}">
+                <a16:creationId xmlns:a16="http://schemas.microsoft.com/office/drawing/2014/main" id="{6F3CF586-06D2-46C3-A4A3-130E31C4A16F}"/>
+              </a:ext>
+            </a:extLst>
+          </p:cNvPr>
+          <p:cNvPicPr>
+            <a:picLocks noChangeAspect="1" noChangeArrowheads="1"/>
+          </p:cNvPicPr>
+          <p:nvPr/>
+        </p:nvPicPr>
+        <p:blipFill>
+          <a:blip r:embed="rId2" cstate="hqprint">
+            <a:extLst>
+              <a:ext uri="{28A0092B-C50C-407E-A947-70E740481C1C}">
+                <a14:useLocalDpi xmlns:a14="http://schemas.microsoft.com/office/drawing/2010/main" val="0"/>
+              </a:ext>
+            </a:extLst>
+          </a:blip>
+          <a:srcRect/>
+          <a:stretch>
+            <a:fillRect/>
+          </a:stretch>
+        </p:blipFill>
+        <p:spPr bwMode="auto">
+          <a:xfrm>
+            <a:off x="10820670" y="5458691"/>
+            <a:ext cx="1289214" cy="1325418"/>
+          </a:xfrm>
+          <a:prstGeom prst="rect">
+            <a:avLst/>
+          </a:prstGeom>
+          <a:noFill/>
+          <a:extLst>
+            <a:ext uri="{909E8E84-426E-40DD-AFC4-6F175D3DCCD1}">
+              <a14:hiddenFill xmlns:a14="http://schemas.microsoft.com/office/drawing/2010/main">
+                <a:solidFill>
+                  <a:srgbClr val="FFFFFF"/>
+                </a:solidFill>
+              </a14:hiddenFill>
+            </a:ext>
+          </a:extLst>
+        </p:spPr>
+      </p:pic>
+      <p:sp>
+        <p:nvSpPr>
+          <p:cNvPr id="4" name="Title 1">
+            <a:extLst>
+              <a:ext uri="{FF2B5EF4-FFF2-40B4-BE49-F238E27FC236}">
+                <a16:creationId xmlns:a16="http://schemas.microsoft.com/office/drawing/2014/main" id="{589BCA0C-EF4D-4E7B-BF8A-C2C50DDE5AB4}"/>
+              </a:ext>
+            </a:extLst>
+          </p:cNvPr>
+          <p:cNvSpPr>
+            <a:spLocks noGrp="1"/>
+          </p:cNvSpPr>
+          <p:nvPr>
+            <p:ph type="title"/>
+          </p:nvPr>
+        </p:nvSpPr>
+        <p:spPr>
+          <a:xfrm>
+            <a:off x="838200" y="365125"/>
+            <a:ext cx="10515600" cy="587375"/>
+          </a:xfrm>
+        </p:spPr>
+        <p:txBody>
+          <a:bodyPr>
+            <a:normAutofit fontScale="90000"/>
+          </a:bodyPr>
+          <a:lstStyle/>
+          <a:p>
+            <a:r>
+              <a:rPr lang="pl-PL" dirty="0">
+                <a:solidFill>
+                  <a:srgbClr val="0070C0"/>
+                </a:solidFill>
+              </a:rPr>
+              <a:t>Templates</a:t>
+            </a:r>
+            <a:endParaRPr lang="en-GB" dirty="0">
+              <a:solidFill>
+                <a:srgbClr val="0070C0"/>
+              </a:solidFill>
+            </a:endParaRPr>
+          </a:p>
+        </p:txBody>
+      </p:sp>
+    </p:spTree>
+    <p:extLst>
+      <p:ext uri="{BB962C8B-B14F-4D97-AF65-F5344CB8AC3E}">
+        <p14:creationId xmlns:p14="http://schemas.microsoft.com/office/powerpoint/2010/main" val="1898756885"/>
+      </p:ext>
+    </p:extLst>
+  </p:cSld>
+  <p:clrMapOvr>
+    <a:masterClrMapping/>
+  </p:clrMapOvr>
+</p:sld>
+</file>
+
+<file path=ppt/slides/slide7.xml><?xml version="1.0" encoding="utf-8"?>
+<p:sld xmlns:a="http://schemas.openxmlformats.org/drawingml/2006/main" xmlns:r="http://schemas.openxmlformats.org/officeDocument/2006/relationships" xmlns:p="http://schemas.openxmlformats.org/presentationml/2006/main">
+  <p:cSld>
+    <p:spTree>
+      <p:nvGrpSpPr>
+        <p:cNvPr id="1" name=""/>
+        <p:cNvGrpSpPr/>
+        <p:nvPr/>
+      </p:nvGrpSpPr>
+      <p:grpSpPr>
+        <a:xfrm>
+          <a:off x="0" y="0"/>
+          <a:ext cx="0" cy="0"/>
+          <a:chOff x="0" y="0"/>
+          <a:chExt cx="0" cy="0"/>
+        </a:xfrm>
+      </p:grpSpPr>
+      <p:sp>
+        <p:nvSpPr>
+          <p:cNvPr id="5" name="TextBox 4">
+            <a:extLst>
+              <a:ext uri="{FF2B5EF4-FFF2-40B4-BE49-F238E27FC236}">
+                <a16:creationId xmlns:a16="http://schemas.microsoft.com/office/drawing/2014/main" id="{3A7A1F5C-9C70-4DE3-BA39-7835B2935EB3}"/>
+              </a:ext>
+            </a:extLst>
+          </p:cNvPr>
+          <p:cNvSpPr txBox="1"/>
+          <p:nvPr/>
+        </p:nvSpPr>
+        <p:spPr>
+          <a:xfrm>
+            <a:off x="1138104" y="1569406"/>
+            <a:ext cx="9464530" cy="3970318"/>
+          </a:xfrm>
+          <a:prstGeom prst="rect">
+            <a:avLst/>
+          </a:prstGeom>
+          <a:noFill/>
+        </p:spPr>
+        <p:txBody>
+          <a:bodyPr wrap="square">
+            <a:spAutoFit/>
+          </a:bodyPr>
+          <a:lstStyle/>
+          <a:p>
+            <a:pPr marL="457200" indent="-457200">
+              <a:buFont typeface="Arial" panose="020B0604020202020204" pitchFamily="34" charset="0"/>
+              <a:buChar char="•"/>
+            </a:pPr>
+            <a:r>
+              <a:rPr lang="pl-PL" sz="2800" dirty="0" err="1">
+                <a:solidFill>
+                  <a:srgbClr val="0070C0"/>
+                </a:solidFill>
+              </a:rPr>
+              <a:t>Provide</a:t>
+            </a:r>
+            <a:r>
+              <a:rPr lang="pl-PL" sz="2800" dirty="0">
+                <a:solidFill>
+                  <a:srgbClr val="0070C0"/>
+                </a:solidFill>
+              </a:rPr>
+              <a:t> </a:t>
+            </a:r>
+            <a:r>
+              <a:rPr lang="pl-PL" sz="2800" dirty="0" err="1">
+                <a:solidFill>
+                  <a:srgbClr val="0070C0"/>
+                </a:solidFill>
+              </a:rPr>
+              <a:t>some</a:t>
+            </a:r>
+            <a:r>
+              <a:rPr lang="pl-PL" sz="2800" dirty="0">
+                <a:solidFill>
+                  <a:srgbClr val="0070C0"/>
+                </a:solidFill>
+              </a:rPr>
+              <a:t> </a:t>
+            </a:r>
+            <a:r>
+              <a:rPr lang="pl-PL" sz="2800" dirty="0" err="1">
+                <a:solidFill>
+                  <a:srgbClr val="0070C0"/>
+                </a:solidFill>
+              </a:rPr>
+              <a:t>example</a:t>
+            </a:r>
+            <a:r>
+              <a:rPr lang="pl-PL" sz="2800" dirty="0">
+                <a:solidFill>
+                  <a:srgbClr val="0070C0"/>
+                </a:solidFill>
+              </a:rPr>
+              <a:t> data</a:t>
+            </a:r>
+          </a:p>
+          <a:p>
+            <a:pPr marL="457200" indent="-457200">
+              <a:buFont typeface="Arial" panose="020B0604020202020204" pitchFamily="34" charset="0"/>
+              <a:buChar char="•"/>
+            </a:pPr>
+            <a:endParaRPr lang="pl-PL" sz="2800" dirty="0">
+              <a:solidFill>
+                <a:srgbClr val="0070C0"/>
+              </a:solidFill>
+            </a:endParaRPr>
+          </a:p>
+          <a:p>
+            <a:r>
+              <a:rPr lang="pl-PL" sz="2800" dirty="0">
+                <a:solidFill>
+                  <a:srgbClr val="0070C0"/>
+                </a:solidFill>
+                <a:latin typeface="Courier New" panose="02070309020205020404" pitchFamily="49" charset="0"/>
+                <a:cs typeface="Courier New" panose="02070309020205020404" pitchFamily="49" charset="0"/>
+              </a:rPr>
+              <a:t>A </a:t>
+            </a:r>
+            <a:r>
+              <a:rPr lang="pl-PL" sz="2800" dirty="0" err="1">
+                <a:solidFill>
+                  <a:srgbClr val="0070C0"/>
+                </a:solidFill>
+                <a:latin typeface="Courier New" panose="02070309020205020404" pitchFamily="49" charset="0"/>
+                <a:cs typeface="Courier New" panose="02070309020205020404" pitchFamily="49" charset="0"/>
+              </a:rPr>
+              <a:t>description</a:t>
+            </a:r>
+            <a:endParaRPr lang="pl-PL" sz="2800" dirty="0">
+              <a:solidFill>
+                <a:srgbClr val="0070C0"/>
+              </a:solidFill>
+              <a:latin typeface="Courier New" panose="02070309020205020404" pitchFamily="49" charset="0"/>
+              <a:cs typeface="Courier New" panose="02070309020205020404" pitchFamily="49" charset="0"/>
+            </a:endParaRPr>
+          </a:p>
+          <a:p>
+            <a:r>
+              <a:rPr lang="pl-PL" sz="2800" dirty="0">
+                <a:solidFill>
+                  <a:srgbClr val="0070C0"/>
+                </a:solidFill>
+                <a:latin typeface="Courier New" panose="02070309020205020404" pitchFamily="49" charset="0"/>
+                <a:cs typeface="Courier New" panose="02070309020205020404" pitchFamily="49" charset="0"/>
+              </a:rPr>
+              <a:t>Author1: Big Ben; Author2: Small Ben</a:t>
+            </a:r>
+          </a:p>
+          <a:p>
+            <a:r>
+              <a:rPr lang="pl-PL" sz="2800" dirty="0" err="1">
+                <a:solidFill>
+                  <a:srgbClr val="0070C0"/>
+                </a:solidFill>
+                <a:latin typeface="Courier New" panose="02070309020205020404" pitchFamily="49" charset="0"/>
+                <a:cs typeface="Courier New" panose="02070309020205020404" pitchFamily="49" charset="0"/>
+              </a:rPr>
+              <a:t>Genotypes</a:t>
+            </a:r>
+            <a:endParaRPr lang="pl-PL" sz="2800" dirty="0">
+              <a:solidFill>
+                <a:srgbClr val="0070C0"/>
+              </a:solidFill>
+              <a:latin typeface="Courier New" panose="02070309020205020404" pitchFamily="49" charset="0"/>
+              <a:cs typeface="Courier New" panose="02070309020205020404" pitchFamily="49" charset="0"/>
+            </a:endParaRPr>
+          </a:p>
+          <a:p>
+            <a:r>
+              <a:rPr lang="pl-PL" sz="2800" dirty="0">
+                <a:solidFill>
+                  <a:srgbClr val="0070C0"/>
+                </a:solidFill>
+                <a:latin typeface="Courier New" panose="02070309020205020404" pitchFamily="49" charset="0"/>
+                <a:cs typeface="Courier New" panose="02070309020205020404" pitchFamily="49" charset="0"/>
+              </a:rPr>
+              <a:t>WT</a:t>
+            </a:r>
+          </a:p>
+          <a:p>
+            <a:r>
+              <a:rPr lang="pl-PL" sz="2800" dirty="0" err="1">
+                <a:solidFill>
+                  <a:srgbClr val="0070C0"/>
+                </a:solidFill>
+                <a:latin typeface="Courier New" panose="02070309020205020404" pitchFamily="49" charset="0"/>
+                <a:cs typeface="Courier New" panose="02070309020205020404" pitchFamily="49" charset="0"/>
+              </a:rPr>
+              <a:t>phyA</a:t>
+            </a:r>
+            <a:endParaRPr lang="pl-PL" sz="2800" dirty="0">
+              <a:solidFill>
+                <a:srgbClr val="0070C0"/>
+              </a:solidFill>
+              <a:latin typeface="Courier New" panose="02070309020205020404" pitchFamily="49" charset="0"/>
+              <a:cs typeface="Courier New" panose="02070309020205020404" pitchFamily="49" charset="0"/>
+            </a:endParaRPr>
+          </a:p>
+          <a:p>
+            <a:r>
+              <a:rPr lang="pl-PL" sz="2800" dirty="0" err="1">
+                <a:solidFill>
+                  <a:srgbClr val="0070C0"/>
+                </a:solidFill>
+                <a:latin typeface="Courier New" panose="02070309020205020404" pitchFamily="49" charset="0"/>
+                <a:cs typeface="Courier New" panose="02070309020205020404" pitchFamily="49" charset="0"/>
+              </a:rPr>
+              <a:t>phyB</a:t>
+            </a:r>
+            <a:endParaRPr lang="pl-PL" sz="2800" dirty="0">
+              <a:solidFill>
+                <a:srgbClr val="0070C0"/>
+              </a:solidFill>
+              <a:latin typeface="Courier New" panose="02070309020205020404" pitchFamily="49" charset="0"/>
+              <a:cs typeface="Courier New" panose="02070309020205020404" pitchFamily="49" charset="0"/>
+            </a:endParaRPr>
+          </a:p>
+          <a:p>
+            <a:pPr marL="457200" indent="-457200">
+              <a:buFont typeface="Arial" panose="020B0604020202020204" pitchFamily="34" charset="0"/>
+              <a:buChar char="•"/>
+            </a:pPr>
+            <a:endParaRPr lang="pl-PL" sz="2800" dirty="0">
+              <a:solidFill>
+                <a:srgbClr val="0070C0"/>
+              </a:solidFill>
+            </a:endParaRPr>
+          </a:p>
+        </p:txBody>
+      </p:sp>
+      <p:pic>
+        <p:nvPicPr>
+          <p:cNvPr id="6" name="Picture 2" descr="Ed_DaSH">
+            <a:extLst>
+              <a:ext uri="{FF2B5EF4-FFF2-40B4-BE49-F238E27FC236}">
+                <a16:creationId xmlns:a16="http://schemas.microsoft.com/office/drawing/2014/main" id="{6F3CF586-06D2-46C3-A4A3-130E31C4A16F}"/>
+              </a:ext>
+            </a:extLst>
+          </p:cNvPr>
+          <p:cNvPicPr>
+            <a:picLocks noChangeAspect="1" noChangeArrowheads="1"/>
+          </p:cNvPicPr>
+          <p:nvPr/>
+        </p:nvPicPr>
+        <p:blipFill>
+          <a:blip r:embed="rId2" cstate="hqprint">
+            <a:extLst>
+              <a:ext uri="{28A0092B-C50C-407E-A947-70E740481C1C}">
+                <a14:useLocalDpi xmlns:a14="http://schemas.microsoft.com/office/drawing/2010/main" val="0"/>
+              </a:ext>
+            </a:extLst>
+          </a:blip>
+          <a:srcRect/>
+          <a:stretch>
+            <a:fillRect/>
+          </a:stretch>
+        </p:blipFill>
+        <p:spPr bwMode="auto">
+          <a:xfrm>
+            <a:off x="10820670" y="5458691"/>
+            <a:ext cx="1289214" cy="1325418"/>
+          </a:xfrm>
+          <a:prstGeom prst="rect">
+            <a:avLst/>
+          </a:prstGeom>
+          <a:noFill/>
+          <a:extLst>
+            <a:ext uri="{909E8E84-426E-40DD-AFC4-6F175D3DCCD1}">
+              <a14:hiddenFill xmlns:a14="http://schemas.microsoft.com/office/drawing/2010/main">
+                <a:solidFill>
+                  <a:srgbClr val="FFFFFF"/>
+                </a:solidFill>
+              </a14:hiddenFill>
+            </a:ext>
+          </a:extLst>
+        </p:spPr>
+      </p:pic>
+      <p:sp>
+        <p:nvSpPr>
+          <p:cNvPr id="4" name="Title 1">
+            <a:extLst>
+              <a:ext uri="{FF2B5EF4-FFF2-40B4-BE49-F238E27FC236}">
+                <a16:creationId xmlns:a16="http://schemas.microsoft.com/office/drawing/2014/main" id="{589BCA0C-EF4D-4E7B-BF8A-C2C50DDE5AB4}"/>
+              </a:ext>
+            </a:extLst>
+          </p:cNvPr>
+          <p:cNvSpPr>
+            <a:spLocks noGrp="1"/>
+          </p:cNvSpPr>
+          <p:nvPr>
+            <p:ph type="title"/>
+          </p:nvPr>
+        </p:nvSpPr>
+        <p:spPr>
+          <a:xfrm>
+            <a:off x="838200" y="365125"/>
+            <a:ext cx="10515600" cy="587375"/>
+          </a:xfrm>
+        </p:spPr>
+        <p:txBody>
+          <a:bodyPr>
+            <a:normAutofit fontScale="90000"/>
+          </a:bodyPr>
+          <a:lstStyle/>
+          <a:p>
+            <a:r>
+              <a:rPr lang="pl-PL" dirty="0">
+                <a:solidFill>
+                  <a:srgbClr val="0070C0"/>
+                </a:solidFill>
+              </a:rPr>
+              <a:t>Templates</a:t>
+            </a:r>
+            <a:endParaRPr lang="en-GB" dirty="0">
+              <a:solidFill>
+                <a:srgbClr val="0070C0"/>
+              </a:solidFill>
+            </a:endParaRPr>
+          </a:p>
+        </p:txBody>
+      </p:sp>
+    </p:spTree>
+    <p:extLst>
+      <p:ext uri="{BB962C8B-B14F-4D97-AF65-F5344CB8AC3E}">
+        <p14:creationId xmlns:p14="http://schemas.microsoft.com/office/powerpoint/2010/main" val="1541048077"/>
+      </p:ext>
+    </p:extLst>
+  </p:cSld>
+  <p:clrMapOvr>
+    <a:masterClrMapping/>
+  </p:clrMapOvr>
+</p:sld>
+</file>
+
+<file path=ppt/slides/slide8.xml><?xml version="1.0" encoding="utf-8"?>
+<p:sld xmlns:a="http://schemas.openxmlformats.org/drawingml/2006/main" xmlns:r="http://schemas.openxmlformats.org/officeDocument/2006/relationships" xmlns:p="http://schemas.openxmlformats.org/presentationml/2006/main">
+  <p:cSld>
+    <p:spTree>
+      <p:nvGrpSpPr>
+        <p:cNvPr id="1" name=""/>
+        <p:cNvGrpSpPr/>
+        <p:nvPr/>
+      </p:nvGrpSpPr>
+      <p:grpSpPr>
+        <a:xfrm>
+          <a:off x="0" y="0"/>
+          <a:ext cx="0" cy="0"/>
+          <a:chOff x="0" y="0"/>
+          <a:chExt cx="0" cy="0"/>
+        </a:xfrm>
+      </p:grpSpPr>
+      <p:sp>
+        <p:nvSpPr>
+          <p:cNvPr id="5" name="TextBox 4">
+            <a:extLst>
+              <a:ext uri="{FF2B5EF4-FFF2-40B4-BE49-F238E27FC236}">
+                <a16:creationId xmlns:a16="http://schemas.microsoft.com/office/drawing/2014/main" id="{3A7A1F5C-9C70-4DE3-BA39-7835B2935EB3}"/>
+              </a:ext>
+            </a:extLst>
+          </p:cNvPr>
+          <p:cNvSpPr txBox="1"/>
+          <p:nvPr/>
+        </p:nvSpPr>
+        <p:spPr>
+          <a:xfrm>
+            <a:off x="1138104" y="1569406"/>
+            <a:ext cx="9464530" cy="523220"/>
+          </a:xfrm>
+          <a:prstGeom prst="rect">
+            <a:avLst/>
+          </a:prstGeom>
+          <a:noFill/>
+        </p:spPr>
+        <p:txBody>
+          <a:bodyPr wrap="square">
+            <a:spAutoFit/>
+          </a:bodyPr>
+          <a:lstStyle/>
+          <a:p>
+            <a:endParaRPr lang="pl-PL" sz="2800" dirty="0">
+              <a:solidFill>
+                <a:srgbClr val="0070C0"/>
+              </a:solidFill>
+            </a:endParaRPr>
+          </a:p>
+        </p:txBody>
+      </p:sp>
+      <p:pic>
+        <p:nvPicPr>
+          <p:cNvPr id="6" name="Picture 2" descr="Ed_DaSH">
+            <a:extLst>
+              <a:ext uri="{FF2B5EF4-FFF2-40B4-BE49-F238E27FC236}">
+                <a16:creationId xmlns:a16="http://schemas.microsoft.com/office/drawing/2014/main" id="{6F3CF586-06D2-46C3-A4A3-130E31C4A16F}"/>
+              </a:ext>
+            </a:extLst>
+          </p:cNvPr>
+          <p:cNvPicPr>
+            <a:picLocks noChangeAspect="1" noChangeArrowheads="1"/>
+          </p:cNvPicPr>
+          <p:nvPr/>
+        </p:nvPicPr>
+        <p:blipFill>
+          <a:blip r:embed="rId2" cstate="hqprint">
+            <a:extLst>
+              <a:ext uri="{28A0092B-C50C-407E-A947-70E740481C1C}">
+                <a14:useLocalDpi xmlns:a14="http://schemas.microsoft.com/office/drawing/2010/main" val="0"/>
+              </a:ext>
+            </a:extLst>
+          </a:blip>
+          <a:srcRect/>
+          <a:stretch>
+            <a:fillRect/>
+          </a:stretch>
+        </p:blipFill>
+        <p:spPr bwMode="auto">
+          <a:xfrm>
+            <a:off x="10820670" y="5458691"/>
+            <a:ext cx="1289214" cy="1325418"/>
+          </a:xfrm>
+          <a:prstGeom prst="rect">
+            <a:avLst/>
+          </a:prstGeom>
+          <a:noFill/>
+          <a:extLst>
+            <a:ext uri="{909E8E84-426E-40DD-AFC4-6F175D3DCCD1}">
+              <a14:hiddenFill xmlns:a14="http://schemas.microsoft.com/office/drawing/2010/main">
+                <a:solidFill>
+                  <a:srgbClr val="FFFFFF"/>
+                </a:solidFill>
+              </a14:hiddenFill>
+            </a:ext>
+          </a:extLst>
+        </p:spPr>
+      </p:pic>
+      <p:sp>
+        <p:nvSpPr>
+          <p:cNvPr id="4" name="Title 1">
+            <a:extLst>
+              <a:ext uri="{FF2B5EF4-FFF2-40B4-BE49-F238E27FC236}">
+                <a16:creationId xmlns:a16="http://schemas.microsoft.com/office/drawing/2014/main" id="{589BCA0C-EF4D-4E7B-BF8A-C2C50DDE5AB4}"/>
+              </a:ext>
+            </a:extLst>
+          </p:cNvPr>
+          <p:cNvSpPr>
+            <a:spLocks noGrp="1"/>
+          </p:cNvSpPr>
+          <p:nvPr>
+            <p:ph type="title"/>
+          </p:nvPr>
+        </p:nvSpPr>
+        <p:spPr>
+          <a:xfrm>
+            <a:off x="838200" y="365125"/>
+            <a:ext cx="10515600" cy="587375"/>
+          </a:xfrm>
+        </p:spPr>
+        <p:txBody>
+          <a:bodyPr>
+            <a:normAutofit fontScale="90000"/>
+          </a:bodyPr>
+          <a:lstStyle/>
+          <a:p>
+            <a:r>
+              <a:rPr lang="pl-PL" dirty="0">
+                <a:solidFill>
+                  <a:srgbClr val="0070C0"/>
+                </a:solidFill>
+              </a:rPr>
+              <a:t>Templates</a:t>
+            </a:r>
+            <a:endParaRPr lang="en-GB" dirty="0">
+              <a:solidFill>
+                <a:srgbClr val="0070C0"/>
+              </a:solidFill>
+            </a:endParaRPr>
+          </a:p>
+        </p:txBody>
+      </p:sp>
+    </p:spTree>
+    <p:extLst>
+      <p:ext uri="{BB962C8B-B14F-4D97-AF65-F5344CB8AC3E}">
+        <p14:creationId xmlns:p14="http://schemas.microsoft.com/office/powerpoint/2010/main" val="313537166"/>
       </p:ext>
     </p:extLst>
   </p:cSld>

--- a/instructors/12-Templates.pptx
+++ b/instructors/12-Templates.pptx
@@ -204,7 +204,7 @@
           <a:p>
             <a:fld id="{585C48AE-4A1E-9A43-835F-510354165F99}" type="datetimeFigureOut">
               <a:rPr lang="en-GB" smtClean="0"/>
-              <a:t>21/10/2021</a:t>
+              <a:t>17/02/2022</a:t>
             </a:fld>
             <a:endParaRPr lang="en-GB"/>
           </a:p>
@@ -620,7 +620,7 @@
           <a:p>
             <a:fld id="{5913FB77-D8DB-4AB9-8EA5-EE8C3B57A5E1}" type="datetimeFigureOut">
               <a:rPr lang="en-GB" smtClean="0"/>
-              <a:t>21/10/2021</a:t>
+              <a:t>17/02/2022</a:t>
             </a:fld>
             <a:endParaRPr lang="en-GB"/>
           </a:p>
@@ -820,7 +820,7 @@
           <a:p>
             <a:fld id="{5913FB77-D8DB-4AB9-8EA5-EE8C3B57A5E1}" type="datetimeFigureOut">
               <a:rPr lang="en-GB" smtClean="0"/>
-              <a:t>21/10/2021</a:t>
+              <a:t>17/02/2022</a:t>
             </a:fld>
             <a:endParaRPr lang="en-GB"/>
           </a:p>
@@ -1030,7 +1030,7 @@
           <a:p>
             <a:fld id="{5913FB77-D8DB-4AB9-8EA5-EE8C3B57A5E1}" type="datetimeFigureOut">
               <a:rPr lang="en-GB" smtClean="0"/>
-              <a:t>21/10/2021</a:t>
+              <a:t>17/02/2022</a:t>
             </a:fld>
             <a:endParaRPr lang="en-GB"/>
           </a:p>
@@ -1230,7 +1230,7 @@
           <a:p>
             <a:fld id="{5913FB77-D8DB-4AB9-8EA5-EE8C3B57A5E1}" type="datetimeFigureOut">
               <a:rPr lang="en-GB" smtClean="0"/>
-              <a:t>21/10/2021</a:t>
+              <a:t>17/02/2022</a:t>
             </a:fld>
             <a:endParaRPr lang="en-GB"/>
           </a:p>
@@ -1506,7 +1506,7 @@
           <a:p>
             <a:fld id="{5913FB77-D8DB-4AB9-8EA5-EE8C3B57A5E1}" type="datetimeFigureOut">
               <a:rPr lang="en-GB" smtClean="0"/>
-              <a:t>21/10/2021</a:t>
+              <a:t>17/02/2022</a:t>
             </a:fld>
             <a:endParaRPr lang="en-GB"/>
           </a:p>
@@ -1774,7 +1774,7 @@
           <a:p>
             <a:fld id="{5913FB77-D8DB-4AB9-8EA5-EE8C3B57A5E1}" type="datetimeFigureOut">
               <a:rPr lang="en-GB" smtClean="0"/>
-              <a:t>21/10/2021</a:t>
+              <a:t>17/02/2022</a:t>
             </a:fld>
             <a:endParaRPr lang="en-GB"/>
           </a:p>
@@ -2189,7 +2189,7 @@
           <a:p>
             <a:fld id="{5913FB77-D8DB-4AB9-8EA5-EE8C3B57A5E1}" type="datetimeFigureOut">
               <a:rPr lang="en-GB" smtClean="0"/>
-              <a:t>21/10/2021</a:t>
+              <a:t>17/02/2022</a:t>
             </a:fld>
             <a:endParaRPr lang="en-GB"/>
           </a:p>
@@ -2331,7 +2331,7 @@
           <a:p>
             <a:fld id="{5913FB77-D8DB-4AB9-8EA5-EE8C3B57A5E1}" type="datetimeFigureOut">
               <a:rPr lang="en-GB" smtClean="0"/>
-              <a:t>21/10/2021</a:t>
+              <a:t>17/02/2022</a:t>
             </a:fld>
             <a:endParaRPr lang="en-GB"/>
           </a:p>
@@ -2444,7 +2444,7 @@
           <a:p>
             <a:fld id="{5913FB77-D8DB-4AB9-8EA5-EE8C3B57A5E1}" type="datetimeFigureOut">
               <a:rPr lang="en-GB" smtClean="0"/>
-              <a:t>21/10/2021</a:t>
+              <a:t>17/02/2022</a:t>
             </a:fld>
             <a:endParaRPr lang="en-GB"/>
           </a:p>
@@ -2757,7 +2757,7 @@
           <a:p>
             <a:fld id="{5913FB77-D8DB-4AB9-8EA5-EE8C3B57A5E1}" type="datetimeFigureOut">
               <a:rPr lang="en-GB" smtClean="0"/>
-              <a:t>21/10/2021</a:t>
+              <a:t>17/02/2022</a:t>
             </a:fld>
             <a:endParaRPr lang="en-GB"/>
           </a:p>
@@ -3046,7 +3046,7 @@
           <a:p>
             <a:fld id="{5913FB77-D8DB-4AB9-8EA5-EE8C3B57A5E1}" type="datetimeFigureOut">
               <a:rPr lang="en-GB" smtClean="0"/>
-              <a:t>21/10/2021</a:t>
+              <a:t>17/02/2022</a:t>
             </a:fld>
             <a:endParaRPr lang="en-GB"/>
           </a:p>
@@ -3289,7 +3289,7 @@
           <a:p>
             <a:fld id="{5913FB77-D8DB-4AB9-8EA5-EE8C3B57A5E1}" type="datetimeFigureOut">
               <a:rPr lang="en-GB" smtClean="0"/>
-              <a:t>21/10/2021</a:t>
+              <a:t>17/02/2022</a:t>
             </a:fld>
             <a:endParaRPr lang="en-GB"/>
           </a:p>
@@ -5218,7 +5218,23 @@
                   <a:srgbClr val="0070C0"/>
                 </a:solidFill>
               </a:rPr>
-              <a:t> (PCR on robot)</a:t>
+              <a:t> (</a:t>
+            </a:r>
+            <a:r>
+              <a:rPr lang="pl-PL" sz="2800" dirty="0" err="1">
+                <a:solidFill>
+                  <a:srgbClr val="0070C0"/>
+                </a:solidFill>
+              </a:rPr>
+              <a:t>e.g</a:t>
+            </a:r>
+            <a:r>
+              <a:rPr lang="pl-PL" sz="2800" dirty="0">
+                <a:solidFill>
+                  <a:srgbClr val="0070C0"/>
+                </a:solidFill>
+              </a:rPr>
+              <a:t>. PCR on robot)</a:t>
             </a:r>
           </a:p>
           <a:p>
@@ -5233,6 +5249,22 @@
                 </a:solidFill>
               </a:rPr>
               <a:t>Experiment (</a:t>
+            </a:r>
+            <a:r>
+              <a:rPr lang="pl-PL" sz="2800" dirty="0" err="1">
+                <a:solidFill>
+                  <a:srgbClr val="0070C0"/>
+                </a:solidFill>
+              </a:rPr>
+              <a:t>e.g</a:t>
+            </a:r>
+            <a:r>
+              <a:rPr lang="pl-PL" sz="2800" dirty="0">
+                <a:solidFill>
+                  <a:srgbClr val="0070C0"/>
+                </a:solidFill>
+              </a:rPr>
+              <a:t>. </a:t>
             </a:r>
             <a:r>
               <a:rPr lang="pl-PL" sz="2800" dirty="0" err="1">
@@ -5381,8 +5413,21 @@
                   <a:srgbClr val="0070C0"/>
                 </a:solidFill>
               </a:rPr>
-              <a:t>)</a:t>
-            </a:r>
+              <a:t>), </a:t>
+            </a:r>
+            <a:r>
+              <a:rPr lang="pl-PL" sz="2800" dirty="0" err="1">
+                <a:solidFill>
+                  <a:srgbClr val="0070C0"/>
+                </a:solidFill>
+              </a:rPr>
+              <a:t>Benchling</a:t>
+            </a:r>
+            <a:endParaRPr lang="pl-PL" sz="2800" dirty="0">
+              <a:solidFill>
+                <a:srgbClr val="0070C0"/>
+              </a:solidFill>
+            </a:endParaRPr>
           </a:p>
         </p:txBody>
       </p:sp>
@@ -6145,8 +6190,69 @@
                   <a:srgbClr val="0070C0"/>
                 </a:solidFill>
               </a:rPr>
-              <a:t> data</a:t>
-            </a:r>
+              <a:t> </a:t>
+            </a:r>
+            <a:r>
+              <a:rPr lang="pl-PL" sz="2800" dirty="0" err="1">
+                <a:solidFill>
+                  <a:srgbClr val="0070C0"/>
+                </a:solidFill>
+              </a:rPr>
+              <a:t>inputs</a:t>
+            </a:r>
+            <a:r>
+              <a:rPr lang="pl-PL" sz="2800" dirty="0">
+                <a:solidFill>
+                  <a:srgbClr val="0070C0"/>
+                </a:solidFill>
+              </a:rPr>
+              <a:t> </a:t>
+            </a:r>
+            <a:r>
+              <a:rPr lang="pl-PL" sz="2800" dirty="0" err="1">
+                <a:solidFill>
+                  <a:srgbClr val="0070C0"/>
+                </a:solidFill>
+              </a:rPr>
+              <a:t>inside</a:t>
+            </a:r>
+            <a:r>
+              <a:rPr lang="pl-PL" sz="2800" dirty="0">
+                <a:solidFill>
+                  <a:srgbClr val="0070C0"/>
+                </a:solidFill>
+              </a:rPr>
+              <a:t> </a:t>
+            </a:r>
+            <a:r>
+              <a:rPr lang="pl-PL" sz="2800" dirty="0" err="1">
+                <a:solidFill>
+                  <a:srgbClr val="0070C0"/>
+                </a:solidFill>
+              </a:rPr>
+              <a:t>your</a:t>
+            </a:r>
+            <a:r>
+              <a:rPr lang="pl-PL" sz="2800" dirty="0">
+                <a:solidFill>
+                  <a:srgbClr val="0070C0"/>
+                </a:solidFill>
+              </a:rPr>
+              <a:t> </a:t>
+            </a:r>
+            <a:r>
+              <a:rPr lang="pl-PL" sz="2800" dirty="0" err="1">
+                <a:solidFill>
+                  <a:srgbClr val="0070C0"/>
+                </a:solidFill>
+              </a:rPr>
+              <a:t>template</a:t>
+            </a:r>
+            <a:endParaRPr lang="pl-PL" sz="2800" dirty="0">
+              <a:solidFill>
+                <a:srgbClr val="0070C0"/>
+              </a:solidFill>
+            </a:endParaRPr>
           </a:p>
           <a:p>
             <a:pPr marL="457200" indent="-457200">

--- a/instructors/12-Templates.pptx
+++ b/instructors/12-Templates.pptx
@@ -204,7 +204,7 @@
           <a:p>
             <a:fld id="{585C48AE-4A1E-9A43-835F-510354165F99}" type="datetimeFigureOut">
               <a:rPr lang="en-GB" smtClean="0"/>
-              <a:t>17/02/2022</a:t>
+              <a:t>22/11/2022</a:t>
             </a:fld>
             <a:endParaRPr lang="en-GB"/>
           </a:p>
@@ -620,7 +620,7 @@
           <a:p>
             <a:fld id="{5913FB77-D8DB-4AB9-8EA5-EE8C3B57A5E1}" type="datetimeFigureOut">
               <a:rPr lang="en-GB" smtClean="0"/>
-              <a:t>17/02/2022</a:t>
+              <a:t>22/11/2022</a:t>
             </a:fld>
             <a:endParaRPr lang="en-GB"/>
           </a:p>
@@ -820,7 +820,7 @@
           <a:p>
             <a:fld id="{5913FB77-D8DB-4AB9-8EA5-EE8C3B57A5E1}" type="datetimeFigureOut">
               <a:rPr lang="en-GB" smtClean="0"/>
-              <a:t>17/02/2022</a:t>
+              <a:t>22/11/2022</a:t>
             </a:fld>
             <a:endParaRPr lang="en-GB"/>
           </a:p>
@@ -1030,7 +1030,7 @@
           <a:p>
             <a:fld id="{5913FB77-D8DB-4AB9-8EA5-EE8C3B57A5E1}" type="datetimeFigureOut">
               <a:rPr lang="en-GB" smtClean="0"/>
-              <a:t>17/02/2022</a:t>
+              <a:t>22/11/2022</a:t>
             </a:fld>
             <a:endParaRPr lang="en-GB"/>
           </a:p>
@@ -1230,7 +1230,7 @@
           <a:p>
             <a:fld id="{5913FB77-D8DB-4AB9-8EA5-EE8C3B57A5E1}" type="datetimeFigureOut">
               <a:rPr lang="en-GB" smtClean="0"/>
-              <a:t>17/02/2022</a:t>
+              <a:t>22/11/2022</a:t>
             </a:fld>
             <a:endParaRPr lang="en-GB"/>
           </a:p>
@@ -1506,7 +1506,7 @@
           <a:p>
             <a:fld id="{5913FB77-D8DB-4AB9-8EA5-EE8C3B57A5E1}" type="datetimeFigureOut">
               <a:rPr lang="en-GB" smtClean="0"/>
-              <a:t>17/02/2022</a:t>
+              <a:t>22/11/2022</a:t>
             </a:fld>
             <a:endParaRPr lang="en-GB"/>
           </a:p>
@@ -1774,7 +1774,7 @@
           <a:p>
             <a:fld id="{5913FB77-D8DB-4AB9-8EA5-EE8C3B57A5E1}" type="datetimeFigureOut">
               <a:rPr lang="en-GB" smtClean="0"/>
-              <a:t>17/02/2022</a:t>
+              <a:t>22/11/2022</a:t>
             </a:fld>
             <a:endParaRPr lang="en-GB"/>
           </a:p>
@@ -2189,7 +2189,7 @@
           <a:p>
             <a:fld id="{5913FB77-D8DB-4AB9-8EA5-EE8C3B57A5E1}" type="datetimeFigureOut">
               <a:rPr lang="en-GB" smtClean="0"/>
-              <a:t>17/02/2022</a:t>
+              <a:t>22/11/2022</a:t>
             </a:fld>
             <a:endParaRPr lang="en-GB"/>
           </a:p>
@@ -2331,7 +2331,7 @@
           <a:p>
             <a:fld id="{5913FB77-D8DB-4AB9-8EA5-EE8C3B57A5E1}" type="datetimeFigureOut">
               <a:rPr lang="en-GB" smtClean="0"/>
-              <a:t>17/02/2022</a:t>
+              <a:t>22/11/2022</a:t>
             </a:fld>
             <a:endParaRPr lang="en-GB"/>
           </a:p>
@@ -2444,7 +2444,7 @@
           <a:p>
             <a:fld id="{5913FB77-D8DB-4AB9-8EA5-EE8C3B57A5E1}" type="datetimeFigureOut">
               <a:rPr lang="en-GB" smtClean="0"/>
-              <a:t>17/02/2022</a:t>
+              <a:t>22/11/2022</a:t>
             </a:fld>
             <a:endParaRPr lang="en-GB"/>
           </a:p>
@@ -2757,7 +2757,7 @@
           <a:p>
             <a:fld id="{5913FB77-D8DB-4AB9-8EA5-EE8C3B57A5E1}" type="datetimeFigureOut">
               <a:rPr lang="en-GB" smtClean="0"/>
-              <a:t>17/02/2022</a:t>
+              <a:t>22/11/2022</a:t>
             </a:fld>
             <a:endParaRPr lang="en-GB"/>
           </a:p>
@@ -3046,7 +3046,7 @@
           <a:p>
             <a:fld id="{5913FB77-D8DB-4AB9-8EA5-EE8C3B57A5E1}" type="datetimeFigureOut">
               <a:rPr lang="en-GB" smtClean="0"/>
-              <a:t>17/02/2022</a:t>
+              <a:t>22/11/2022</a:t>
             </a:fld>
             <a:endParaRPr lang="en-GB"/>
           </a:p>
@@ -3289,7 +3289,7 @@
           <a:p>
             <a:fld id="{5913FB77-D8DB-4AB9-8EA5-EE8C3B57A5E1}" type="datetimeFigureOut">
               <a:rPr lang="en-GB" smtClean="0"/>
-              <a:t>17/02/2022</a:t>
+              <a:t>22/11/2022</a:t>
             </a:fld>
             <a:endParaRPr lang="en-GB"/>
           </a:p>
@@ -4943,7 +4943,7 @@
         <p:spPr>
           <a:xfrm>
             <a:off x="1138104" y="1569406"/>
-            <a:ext cx="9464530" cy="523220"/>
+            <a:ext cx="9464530" cy="1815882"/>
           </a:xfrm>
           <a:prstGeom prst="rect">
             <a:avLst/>
@@ -4957,18 +4957,35 @@
           <a:lstStyle/>
           <a:p>
             <a:r>
-              <a:rPr lang="pl-PL" sz="2800" dirty="0" err="1">
+              <a:rPr lang="pl-PL" sz="2800" dirty="0">
                 <a:solidFill>
                   <a:srgbClr val="0070C0"/>
                 </a:solidFill>
               </a:rPr>
               <a:t>Example</a:t>
             </a:r>
-            <a:endParaRPr lang="pl-PL" sz="2800" dirty="0">
+            <a:endParaRPr lang="en-US" sz="2800" dirty="0">
               <a:solidFill>
                 <a:srgbClr val="0070C0"/>
               </a:solidFill>
             </a:endParaRPr>
+          </a:p>
+          <a:p>
+            <a:endParaRPr lang="en-US" sz="2800" dirty="0">
+              <a:solidFill>
+                <a:srgbClr val="0070C0"/>
+              </a:solidFill>
+            </a:endParaRPr>
+          </a:p>
+          <a:p>
+            <a:r>
+              <a:rPr lang="pl-PL" sz="2800" dirty="0">
+                <a:solidFill>
+                  <a:srgbClr val="0070C0"/>
+                </a:solidFill>
+              </a:rPr>
+              <a:t>https://github.com/carpentries-incubator/fair-bio-practice/blob/gh-pages/files/readme_template_BioRDM.txt</a:t>
+            </a:r>
           </a:p>
         </p:txBody>
       </p:sp>
